--- a/ECG_presentation3.pptx
+++ b/ECG_presentation3.pptx
@@ -8,10 +8,13 @@
     <p:sldId id="257" r:id="rId2"/>
     <p:sldId id="258" r:id="rId3"/>
     <p:sldId id="261" r:id="rId4"/>
-    <p:sldId id="259" r:id="rId5"/>
-    <p:sldId id="262" r:id="rId6"/>
+    <p:sldId id="262" r:id="rId5"/>
+    <p:sldId id="264" r:id="rId6"/>
     <p:sldId id="263" r:id="rId7"/>
-    <p:sldId id="260" r:id="rId8"/>
+    <p:sldId id="265" r:id="rId8"/>
+    <p:sldId id="260" r:id="rId9"/>
+    <p:sldId id="266" r:id="rId10"/>
+    <p:sldId id="267" r:id="rId11"/>
   </p:sldIdLst>
   <p:sldSz cx="9144000" cy="6858000" type="screen4x3"/>
   <p:notesSz cx="6858000" cy="9144000"/>
@@ -250,6 +253,7 @@
           <a:p>
             <a:fld id="{6DB949F7-DBBB-4CDF-BECE-3BDEFC76B0DD}" type="datetimeFigureOut">
               <a:rPr lang="fr-FR" smtClean="0"/>
+              <a:pPr/>
               <a:t>04/10/2018</a:t>
             </a:fld>
             <a:endParaRPr lang="fr-FR"/>
@@ -996,6 +1000,7 @@
           <a:p>
             <a:fld id="{D2C69522-60EC-4AAA-9EAA-2FB8005FB51C}" type="slidenum">
               <a:rPr lang="fr-FR" smtClean="0"/>
+              <a:pPr/>
               <a:t>‹N°›</a:t>
             </a:fld>
             <a:endParaRPr lang="fr-FR"/>
@@ -1119,6 +1124,7 @@
           <a:p>
             <a:fld id="{6DB949F7-DBBB-4CDF-BECE-3BDEFC76B0DD}" type="datetimeFigureOut">
               <a:rPr lang="fr-FR" smtClean="0"/>
+              <a:pPr/>
               <a:t>04/10/2018</a:t>
             </a:fld>
             <a:endParaRPr lang="fr-FR"/>
@@ -1161,6 +1167,7 @@
           <a:p>
             <a:fld id="{D2C69522-60EC-4AAA-9EAA-2FB8005FB51C}" type="slidenum">
               <a:rPr lang="fr-FR" smtClean="0"/>
+              <a:pPr/>
               <a:t>‹N°›</a:t>
             </a:fld>
             <a:endParaRPr lang="fr-FR"/>
@@ -1294,6 +1301,7 @@
           <a:p>
             <a:fld id="{6DB949F7-DBBB-4CDF-BECE-3BDEFC76B0DD}" type="datetimeFigureOut">
               <a:rPr lang="fr-FR" smtClean="0"/>
+              <a:pPr/>
               <a:t>04/10/2018</a:t>
             </a:fld>
             <a:endParaRPr lang="fr-FR"/>
@@ -1336,6 +1344,7 @@
           <a:p>
             <a:fld id="{D2C69522-60EC-4AAA-9EAA-2FB8005FB51C}" type="slidenum">
               <a:rPr lang="fr-FR" smtClean="0"/>
+              <a:pPr/>
               <a:t>‹N°›</a:t>
             </a:fld>
             <a:endParaRPr lang="fr-FR"/>
@@ -1464,6 +1473,7 @@
           <a:p>
             <a:fld id="{6DB949F7-DBBB-4CDF-BECE-3BDEFC76B0DD}" type="datetimeFigureOut">
               <a:rPr lang="fr-FR" smtClean="0"/>
+              <a:pPr/>
               <a:t>04/10/2018</a:t>
             </a:fld>
             <a:endParaRPr lang="fr-FR"/>
@@ -1487,6 +1497,7 @@
           <a:p>
             <a:fld id="{D2C69522-60EC-4AAA-9EAA-2FB8005FB51C}" type="slidenum">
               <a:rPr lang="fr-FR" smtClean="0"/>
+              <a:pPr/>
               <a:t>‹N°›</a:t>
             </a:fld>
             <a:endParaRPr lang="fr-FR"/>
@@ -1674,6 +1685,7 @@
           <a:p>
             <a:fld id="{6DB949F7-DBBB-4CDF-BECE-3BDEFC76B0DD}" type="datetimeFigureOut">
               <a:rPr lang="fr-FR" smtClean="0"/>
+              <a:pPr/>
               <a:t>04/10/2018</a:t>
             </a:fld>
             <a:endParaRPr lang="fr-FR"/>
@@ -2417,6 +2429,7 @@
           <a:p>
             <a:fld id="{D2C69522-60EC-4AAA-9EAA-2FB8005FB51C}" type="slidenum">
               <a:rPr lang="fr-FR" smtClean="0"/>
+              <a:pPr/>
               <a:t>‹N°›</a:t>
             </a:fld>
             <a:endParaRPr lang="fr-FR"/>
@@ -2488,6 +2501,7 @@
           <a:p>
             <a:fld id="{6DB949F7-DBBB-4CDF-BECE-3BDEFC76B0DD}" type="datetimeFigureOut">
               <a:rPr lang="fr-FR" smtClean="0"/>
+              <a:pPr/>
               <a:t>04/10/2018</a:t>
             </a:fld>
             <a:endParaRPr lang="fr-FR"/>
@@ -2530,6 +2544,7 @@
           <a:p>
             <a:fld id="{D2C69522-60EC-4AAA-9EAA-2FB8005FB51C}" type="slidenum">
               <a:rPr lang="fr-FR" smtClean="0"/>
+              <a:pPr/>
               <a:t>‹N°›</a:t>
             </a:fld>
             <a:endParaRPr lang="fr-FR"/>
@@ -2724,6 +2739,7 @@
           <a:p>
             <a:fld id="{6DB949F7-DBBB-4CDF-BECE-3BDEFC76B0DD}" type="datetimeFigureOut">
               <a:rPr lang="fr-FR" smtClean="0"/>
+              <a:pPr/>
               <a:t>04/10/2018</a:t>
             </a:fld>
             <a:endParaRPr lang="fr-FR"/>
@@ -2766,6 +2782,7 @@
           <a:p>
             <a:fld id="{D2C69522-60EC-4AAA-9EAA-2FB8005FB51C}" type="slidenum">
               <a:rPr lang="fr-FR" smtClean="0"/>
+              <a:pPr/>
               <a:t>‹N°›</a:t>
             </a:fld>
             <a:endParaRPr lang="fr-FR"/>
@@ -3047,6 +3064,7 @@
           <a:p>
             <a:fld id="{6DB949F7-DBBB-4CDF-BECE-3BDEFC76B0DD}" type="datetimeFigureOut">
               <a:rPr lang="fr-FR" smtClean="0"/>
+              <a:pPr/>
               <a:t>04/10/2018</a:t>
             </a:fld>
             <a:endParaRPr lang="fr-FR"/>
@@ -3070,6 +3088,7 @@
           <a:p>
             <a:fld id="{D2C69522-60EC-4AAA-9EAA-2FB8005FB51C}" type="slidenum">
               <a:rPr lang="fr-FR" smtClean="0"/>
+              <a:pPr/>
               <a:t>‹N°›</a:t>
             </a:fld>
             <a:endParaRPr lang="fr-FR"/>
@@ -3137,6 +3156,7 @@
           <a:p>
             <a:fld id="{6DB949F7-DBBB-4CDF-BECE-3BDEFC76B0DD}" type="datetimeFigureOut">
               <a:rPr lang="fr-FR" smtClean="0"/>
+              <a:pPr/>
               <a:t>04/10/2018</a:t>
             </a:fld>
             <a:endParaRPr lang="fr-FR"/>
@@ -3179,6 +3199,7 @@
           <a:p>
             <a:fld id="{D2C69522-60EC-4AAA-9EAA-2FB8005FB51C}" type="slidenum">
               <a:rPr lang="fr-FR" smtClean="0"/>
+              <a:pPr/>
               <a:t>‹N°›</a:t>
             </a:fld>
             <a:endParaRPr lang="fr-FR"/>
@@ -3654,6 +3675,7 @@
           <a:p>
             <a:fld id="{6DB949F7-DBBB-4CDF-BECE-3BDEFC76B0DD}" type="datetimeFigureOut">
               <a:rPr lang="fr-FR" smtClean="0"/>
+              <a:pPr/>
               <a:t>04/10/2018</a:t>
             </a:fld>
             <a:endParaRPr lang="fr-FR"/>
@@ -3677,6 +3699,7 @@
           <a:p>
             <a:fld id="{D2C69522-60EC-4AAA-9EAA-2FB8005FB51C}" type="slidenum">
               <a:rPr lang="fr-FR" smtClean="0"/>
+              <a:pPr/>
               <a:t>‹N°›</a:t>
             </a:fld>
             <a:endParaRPr lang="fr-FR"/>
@@ -4165,6 +4188,7 @@
           <a:p>
             <a:fld id="{6DB949F7-DBBB-4CDF-BECE-3BDEFC76B0DD}" type="datetimeFigureOut">
               <a:rPr lang="fr-FR" smtClean="0"/>
+              <a:pPr/>
               <a:t>04/10/2018</a:t>
             </a:fld>
             <a:endParaRPr lang="fr-FR"/>
@@ -4188,6 +4212,7 @@
           <a:p>
             <a:fld id="{D2C69522-60EC-4AAA-9EAA-2FB8005FB51C}" type="slidenum">
               <a:rPr lang="fr-FR" smtClean="0"/>
+              <a:pPr/>
               <a:t>‹N°›</a:t>
             </a:fld>
             <a:endParaRPr lang="fr-FR"/>
@@ -4410,6 +4435,7 @@
           <a:p>
             <a:fld id="{6DB949F7-DBBB-4CDF-BECE-3BDEFC76B0DD}" type="datetimeFigureOut">
               <a:rPr lang="fr-FR" smtClean="0"/>
+              <a:pPr/>
               <a:t>04/10/2018</a:t>
             </a:fld>
             <a:endParaRPr lang="fr-FR"/>
@@ -4686,6 +4712,7 @@
           <a:p>
             <a:fld id="{D2C69522-60EC-4AAA-9EAA-2FB8005FB51C}" type="slidenum">
               <a:rPr lang="fr-FR" smtClean="0"/>
+              <a:pPr/>
               <a:t>‹N°›</a:t>
             </a:fld>
             <a:endParaRPr lang="fr-FR"/>
@@ -5116,6 +5143,186 @@
 </p:sld>
 </file>
 
+<file path=ppt/slides/slide10.xml><?xml version="1.0" encoding="utf-8"?>
+<p:sld xmlns:a="http://schemas.openxmlformats.org/drawingml/2006/main" xmlns:r="http://schemas.openxmlformats.org/officeDocument/2006/relationships" xmlns:p="http://schemas.openxmlformats.org/presentationml/2006/main">
+  <p:cSld>
+    <p:spTree>
+      <p:nvGrpSpPr>
+        <p:cNvPr id="1" name=""/>
+        <p:cNvGrpSpPr/>
+        <p:nvPr/>
+      </p:nvGrpSpPr>
+      <p:grpSpPr>
+        <a:xfrm>
+          <a:off x="0" y="0"/>
+          <a:ext cx="0" cy="0"/>
+          <a:chOff x="0" y="0"/>
+          <a:chExt cx="0" cy="0"/>
+        </a:xfrm>
+      </p:grpSpPr>
+      <p:sp>
+        <p:nvSpPr>
+          <p:cNvPr id="2" name="Titre 1"/>
+          <p:cNvSpPr>
+            <a:spLocks noGrp="1"/>
+          </p:cNvSpPr>
+          <p:nvPr>
+            <p:ph type="title"/>
+          </p:nvPr>
+        </p:nvSpPr>
+        <p:spPr/>
+        <p:txBody>
+          <a:bodyPr/>
+          <a:lstStyle/>
+          <a:p>
+            <a:r>
+              <a:rPr lang="fr-FR" dirty="0" smtClean="0"/>
+              <a:t>Baseline KNN model – New </a:t>
+            </a:r>
+            <a:r>
+              <a:rPr lang="fr-FR" dirty="0" err="1" smtClean="0"/>
+              <a:t>Features</a:t>
+            </a:r>
+            <a:endParaRPr lang="fr-FR" dirty="0"/>
+          </a:p>
+        </p:txBody>
+      </p:sp>
+      <p:sp>
+        <p:nvSpPr>
+          <p:cNvPr id="3" name="Espace réservé du contenu 2"/>
+          <p:cNvSpPr>
+            <a:spLocks noGrp="1"/>
+          </p:cNvSpPr>
+          <p:nvPr>
+            <p:ph sz="quarter" idx="1"/>
+          </p:nvPr>
+        </p:nvSpPr>
+        <p:spPr/>
+        <p:txBody>
+          <a:bodyPr/>
+          <a:lstStyle/>
+          <a:p>
+            <a:r>
+              <a:rPr lang="fr-FR" dirty="0" err="1" smtClean="0"/>
+              <a:t>Results</a:t>
+            </a:r>
+            <a:endParaRPr lang="fr-FR" dirty="0" smtClean="0"/>
+          </a:p>
+          <a:p>
+            <a:pPr lvl="1"/>
+            <a:endParaRPr lang="fr-FR" dirty="0" smtClean="0"/>
+          </a:p>
+          <a:p>
+            <a:pPr lvl="1"/>
+            <a:r>
+              <a:rPr lang="fr-FR" dirty="0" err="1" smtClean="0"/>
+              <a:t>Binary</a:t>
+            </a:r>
+            <a:r>
+              <a:rPr lang="fr-FR" dirty="0" smtClean="0"/>
+              <a:t> </a:t>
+            </a:r>
+            <a:r>
+              <a:rPr lang="fr-FR" dirty="0" err="1" smtClean="0"/>
+              <a:t>dataset</a:t>
+            </a:r>
+            <a:r>
+              <a:rPr lang="fr-FR" dirty="0" smtClean="0"/>
+              <a:t>:</a:t>
+            </a:r>
+          </a:p>
+          <a:p>
+            <a:pPr lvl="2"/>
+            <a:r>
+              <a:rPr lang="fr-FR" dirty="0" smtClean="0"/>
+              <a:t>82.5% </a:t>
+            </a:r>
+            <a:r>
+              <a:rPr lang="fr-FR" dirty="0" err="1" smtClean="0"/>
+              <a:t>accuracy</a:t>
+            </a:r>
+            <a:endParaRPr lang="fr-FR" dirty="0" smtClean="0"/>
+          </a:p>
+          <a:p>
+            <a:pPr lvl="2"/>
+            <a:r>
+              <a:rPr lang="fr-FR" dirty="0" smtClean="0"/>
+              <a:t>72.0% (normal) and 86.6% (</a:t>
+            </a:r>
+            <a:r>
+              <a:rPr lang="fr-FR" dirty="0" err="1" smtClean="0"/>
+              <a:t>abnormal</a:t>
+            </a:r>
+            <a:r>
+              <a:rPr lang="fr-FR" dirty="0" smtClean="0"/>
+              <a:t>) </a:t>
+            </a:r>
+            <a:r>
+              <a:rPr lang="fr-FR" dirty="0" err="1" smtClean="0"/>
+              <a:t>recall</a:t>
+            </a:r>
+            <a:r>
+              <a:rPr lang="fr-FR" dirty="0" smtClean="0"/>
+              <a:t> values</a:t>
+            </a:r>
+          </a:p>
+          <a:p>
+            <a:pPr lvl="2"/>
+            <a:endParaRPr lang="fr-FR" dirty="0" smtClean="0"/>
+          </a:p>
+          <a:p>
+            <a:pPr lvl="1"/>
+            <a:r>
+              <a:rPr lang="fr-FR" dirty="0" smtClean="0"/>
+              <a:t>5-class:</a:t>
+            </a:r>
+          </a:p>
+          <a:p>
+            <a:pPr lvl="2"/>
+            <a:r>
+              <a:rPr lang="fr-FR" dirty="0" smtClean="0"/>
+              <a:t>90.4% </a:t>
+            </a:r>
+            <a:r>
+              <a:rPr lang="fr-FR" dirty="0" err="1" smtClean="0"/>
+              <a:t>accuracy</a:t>
+            </a:r>
+            <a:endParaRPr lang="fr-FR" dirty="0" smtClean="0"/>
+          </a:p>
+          <a:p>
+            <a:pPr lvl="2"/>
+            <a:r>
+              <a:rPr lang="fr-FR" dirty="0" smtClean="0"/>
+              <a:t>97.8% (normal), 42.2%, 48.5%, 25.9%, 67.8% (</a:t>
+            </a:r>
+            <a:r>
+              <a:rPr lang="fr-FR" dirty="0" err="1" smtClean="0"/>
+              <a:t>abnormal</a:t>
+            </a:r>
+            <a:r>
+              <a:rPr lang="fr-FR" dirty="0" smtClean="0"/>
+              <a:t>) </a:t>
+            </a:r>
+            <a:r>
+              <a:rPr lang="fr-FR" dirty="0" err="1" smtClean="0"/>
+              <a:t>recall</a:t>
+            </a:r>
+            <a:r>
+              <a:rPr lang="fr-FR" dirty="0" smtClean="0"/>
+              <a:t> values</a:t>
+            </a:r>
+            <a:endParaRPr lang="fr-FR" dirty="0" smtClean="0"/>
+          </a:p>
+        </p:txBody>
+      </p:sp>
+    </p:spTree>
+  </p:cSld>
+  <p:clrMapOvr>
+    <a:masterClrMapping/>
+  </p:clrMapOvr>
+</p:sld>
+</file>
+
 <file path=ppt/slides/slide2.xml><?xml version="1.0" encoding="utf-8"?>
 <p:sld xmlns:a="http://schemas.openxmlformats.org/drawingml/2006/main" xmlns:r="http://schemas.openxmlformats.org/officeDocument/2006/relationships" xmlns:p="http://schemas.openxmlformats.org/presentationml/2006/main">
   <p:cSld>
@@ -5679,8 +5886,8 @@
         </p:nvSpPr>
         <p:spPr>
           <a:xfrm>
-            <a:off x="6732240" y="1844824"/>
-            <a:ext cx="1633781" cy="369332"/>
+            <a:off x="6588224" y="2708920"/>
+            <a:ext cx="1390124" cy="646331"/>
           </a:xfrm>
           <a:prstGeom prst="rect">
             <a:avLst/>
@@ -5694,9 +5901,15 @@
           <a:lstStyle/>
           <a:p>
             <a:r>
+              <a:rPr lang="fr-FR" b="1" dirty="0" smtClean="0"/>
+              <a:t>95% </a:t>
+            </a:r>
+            <a:r>
               <a:rPr lang="fr-FR" dirty="0" smtClean="0"/>
-              <a:t>95% </a:t>
-            </a:r>
+              <a:t>global </a:t>
+            </a:r>
+          </a:p>
+          <a:p>
             <a:r>
               <a:rPr lang="fr-FR" dirty="0" err="1" smtClean="0"/>
               <a:t>accuracy</a:t>
@@ -5714,7 +5927,7 @@
         <p:spPr>
           <a:xfrm>
             <a:off x="2843808" y="5589240"/>
-            <a:ext cx="1069524" cy="369332"/>
+            <a:ext cx="646331" cy="369332"/>
           </a:xfrm>
           <a:prstGeom prst="rect">
             <a:avLst/>
@@ -5729,11 +5942,7 @@
           <a:p>
             <a:r>
               <a:rPr lang="fr-FR" dirty="0" smtClean="0"/>
-              <a:t>94% </a:t>
-            </a:r>
-            <a:r>
-              <a:rPr lang="fr-FR" dirty="0" err="1" smtClean="0"/>
-              <a:t>acc</a:t>
+              <a:t>94%</a:t>
             </a:r>
             <a:endParaRPr lang="fr-FR" dirty="0"/>
           </a:p>
@@ -5748,7 +5957,7 @@
         <p:spPr>
           <a:xfrm>
             <a:off x="4644008" y="5589240"/>
-            <a:ext cx="1069524" cy="369332"/>
+            <a:ext cx="646331" cy="369332"/>
           </a:xfrm>
           <a:prstGeom prst="rect">
             <a:avLst/>
@@ -5763,11 +5972,82 @@
           <a:p>
             <a:r>
               <a:rPr lang="fr-FR" dirty="0" smtClean="0"/>
-              <a:t>96% </a:t>
-            </a:r>
+              <a:t>96%</a:t>
+            </a:r>
+            <a:endParaRPr lang="fr-FR" dirty="0"/>
+          </a:p>
+        </p:txBody>
+      </p:sp>
+      <p:sp>
+        <p:nvSpPr>
+          <p:cNvPr id="10" name="Ellipse 9"/>
+          <p:cNvSpPr/>
+          <p:nvPr/>
+        </p:nvSpPr>
+        <p:spPr>
+          <a:xfrm>
+            <a:off x="6300192" y="2636912"/>
+            <a:ext cx="1728192" cy="864096"/>
+          </a:xfrm>
+          <a:prstGeom prst="ellipse">
+            <a:avLst/>
+          </a:prstGeom>
+          <a:noFill/>
+        </p:spPr>
+        <p:style>
+          <a:lnRef idx="2">
+            <a:schemeClr val="accent1">
+              <a:shade val="50000"/>
+            </a:schemeClr>
+          </a:lnRef>
+          <a:fillRef idx="1">
+            <a:schemeClr val="accent1"/>
+          </a:fillRef>
+          <a:effectRef idx="0">
+            <a:schemeClr val="accent1"/>
+          </a:effectRef>
+          <a:fontRef idx="minor">
+            <a:schemeClr val="lt1"/>
+          </a:fontRef>
+        </p:style>
+        <p:txBody>
+          <a:bodyPr rtlCol="0" anchor="ctr"/>
+          <a:lstStyle/>
+          <a:p>
+            <a:pPr algn="ctr"/>
+            <a:endParaRPr lang="fr-FR"/>
+          </a:p>
+        </p:txBody>
+      </p:sp>
+      <p:sp>
+        <p:nvSpPr>
+          <p:cNvPr id="11" name="ZoneTexte 10"/>
+          <p:cNvSpPr txBox="1"/>
+          <p:nvPr/>
+        </p:nvSpPr>
+        <p:spPr>
+          <a:xfrm>
+            <a:off x="1259632" y="5589240"/>
+            <a:ext cx="889987" cy="369332"/>
+          </a:xfrm>
+          <a:prstGeom prst="rect">
+            <a:avLst/>
+          </a:prstGeom>
+          <a:noFill/>
+        </p:spPr>
+        <p:txBody>
+          <a:bodyPr wrap="none" rtlCol="0">
+            <a:spAutoFit/>
+          </a:bodyPr>
+          <a:lstStyle/>
+          <a:p>
             <a:r>
               <a:rPr lang="fr-FR" dirty="0" err="1" smtClean="0"/>
-              <a:t>acc</a:t>
+              <a:t>Recall</a:t>
+            </a:r>
+            <a:r>
+              <a:rPr lang="fr-FR" dirty="0" smtClean="0"/>
+              <a:t>:</a:t>
             </a:r>
             <a:endParaRPr lang="fr-FR" dirty="0"/>
           </a:p>
@@ -6790,15 +7070,334 @@
           <a:p>
             <a:r>
               <a:rPr lang="fr-FR" dirty="0" smtClean="0"/>
-              <a:t>Case </a:t>
-            </a:r>
+              <a:t>Baseline KNN model</a:t>
+            </a:r>
+            <a:endParaRPr lang="fr-FR" dirty="0"/>
+          </a:p>
+        </p:txBody>
+      </p:sp>
+      <p:sp>
+        <p:nvSpPr>
+          <p:cNvPr id="7" name="ZoneTexte 6"/>
+          <p:cNvSpPr txBox="1"/>
+          <p:nvPr/>
+        </p:nvSpPr>
+        <p:spPr>
+          <a:xfrm>
+            <a:off x="6588224" y="2708920"/>
+            <a:ext cx="1582484" cy="646331"/>
+          </a:xfrm>
+          <a:prstGeom prst="rect">
+            <a:avLst/>
+          </a:prstGeom>
+          <a:noFill/>
+        </p:spPr>
+        <p:txBody>
+          <a:bodyPr wrap="none" rtlCol="0">
+            <a:spAutoFit/>
+          </a:bodyPr>
+          <a:lstStyle/>
+          <a:p>
+            <a:pPr algn="ctr"/>
+            <a:r>
+              <a:rPr lang="fr-FR" b="1" dirty="0" smtClean="0"/>
+              <a:t>97.8% </a:t>
+            </a:r>
+            <a:r>
+              <a:rPr lang="fr-FR" dirty="0" smtClean="0"/>
+              <a:t>global </a:t>
+            </a:r>
+          </a:p>
+          <a:p>
+            <a:pPr algn="ctr"/>
             <a:r>
               <a:rPr lang="fr-FR" dirty="0" err="1" smtClean="0"/>
-              <a:t>progress</a:t>
-            </a:r>
+              <a:t>accuracy</a:t>
+            </a:r>
+            <a:endParaRPr lang="fr-FR" dirty="0"/>
+          </a:p>
+        </p:txBody>
+      </p:sp>
+      <p:sp>
+        <p:nvSpPr>
+          <p:cNvPr id="10" name="Ellipse 9"/>
+          <p:cNvSpPr/>
+          <p:nvPr/>
+        </p:nvSpPr>
+        <p:spPr>
+          <a:xfrm>
+            <a:off x="6372200" y="2564904"/>
+            <a:ext cx="1944216" cy="864096"/>
+          </a:xfrm>
+          <a:prstGeom prst="ellipse">
+            <a:avLst/>
+          </a:prstGeom>
+          <a:noFill/>
+        </p:spPr>
+        <p:style>
+          <a:lnRef idx="2">
+            <a:schemeClr val="accent1">
+              <a:shade val="50000"/>
+            </a:schemeClr>
+          </a:lnRef>
+          <a:fillRef idx="1">
+            <a:schemeClr val="accent1"/>
+          </a:fillRef>
+          <a:effectRef idx="0">
+            <a:schemeClr val="accent1"/>
+          </a:effectRef>
+          <a:fontRef idx="minor">
+            <a:schemeClr val="lt1"/>
+          </a:fontRef>
+        </p:style>
+        <p:txBody>
+          <a:bodyPr rtlCol="0" anchor="ctr"/>
+          <a:lstStyle/>
+          <a:p>
+            <a:pPr algn="ctr"/>
+            <a:endParaRPr lang="fr-FR"/>
+          </a:p>
+        </p:txBody>
+      </p:sp>
+      <p:pic>
+        <p:nvPicPr>
+          <p:cNvPr id="11" name="Image 10" descr="5 class dataset.png"/>
+          <p:cNvPicPr>
+            <a:picLocks noChangeAspect="1"/>
+          </p:cNvPicPr>
+          <p:nvPr/>
+        </p:nvPicPr>
+        <p:blipFill>
+          <a:blip r:embed="rId2" cstate="print"/>
+          <a:stretch>
+            <a:fillRect/>
+          </a:stretch>
+        </p:blipFill>
+        <p:spPr>
+          <a:xfrm>
+            <a:off x="1475656" y="1556792"/>
+            <a:ext cx="4752528" cy="3197254"/>
+          </a:xfrm>
+          <a:prstGeom prst="rect">
+            <a:avLst/>
+          </a:prstGeom>
+        </p:spPr>
+      </p:pic>
+      <p:sp>
+        <p:nvSpPr>
+          <p:cNvPr id="12" name="ZoneTexte 11"/>
+          <p:cNvSpPr txBox="1"/>
+          <p:nvPr/>
+        </p:nvSpPr>
+        <p:spPr>
+          <a:xfrm>
+            <a:off x="1619672" y="4869160"/>
+            <a:ext cx="792088" cy="276999"/>
+          </a:xfrm>
+          <a:prstGeom prst="rect">
+            <a:avLst/>
+          </a:prstGeom>
+          <a:noFill/>
+        </p:spPr>
+        <p:txBody>
+          <a:bodyPr wrap="square" rtlCol="0">
+            <a:spAutoFit/>
+          </a:bodyPr>
+          <a:lstStyle/>
+          <a:p>
+            <a:r>
+              <a:rPr lang="fr-FR" sz="1200" dirty="0" smtClean="0">
+                <a:solidFill>
+                  <a:srgbClr val="00B050"/>
+                </a:solidFill>
+              </a:rPr>
+              <a:t>72 000</a:t>
+            </a:r>
+            <a:endParaRPr lang="fr-FR" sz="1200" dirty="0">
+              <a:solidFill>
+                <a:srgbClr val="00B050"/>
+              </a:solidFill>
+            </a:endParaRPr>
+          </a:p>
+        </p:txBody>
+      </p:sp>
+      <p:sp>
+        <p:nvSpPr>
+          <p:cNvPr id="13" name="ZoneTexte 12"/>
+          <p:cNvSpPr txBox="1"/>
+          <p:nvPr/>
+        </p:nvSpPr>
+        <p:spPr>
+          <a:xfrm>
+            <a:off x="2627784" y="4869160"/>
+            <a:ext cx="644555" cy="276999"/>
+          </a:xfrm>
+          <a:prstGeom prst="rect">
+            <a:avLst/>
+          </a:prstGeom>
+          <a:noFill/>
+        </p:spPr>
+        <p:txBody>
+          <a:bodyPr wrap="square" rtlCol="0">
+            <a:spAutoFit/>
+          </a:bodyPr>
+          <a:lstStyle/>
+          <a:p>
+            <a:r>
+              <a:rPr lang="fr-FR" sz="1200" dirty="0" smtClean="0">
+                <a:solidFill>
+                  <a:schemeClr val="accent1"/>
+                </a:solidFill>
+              </a:rPr>
+              <a:t>2 000</a:t>
+            </a:r>
+            <a:endParaRPr lang="fr-FR" sz="1200" dirty="0">
+              <a:solidFill>
+                <a:schemeClr val="accent1"/>
+              </a:solidFill>
+            </a:endParaRPr>
+          </a:p>
+        </p:txBody>
+      </p:sp>
+      <p:sp>
+        <p:nvSpPr>
+          <p:cNvPr id="14" name="ZoneTexte 13"/>
+          <p:cNvSpPr txBox="1"/>
+          <p:nvPr/>
+        </p:nvSpPr>
+        <p:spPr>
+          <a:xfrm>
+            <a:off x="3563888" y="4869160"/>
+            <a:ext cx="644555" cy="276999"/>
+          </a:xfrm>
+          <a:prstGeom prst="rect">
+            <a:avLst/>
+          </a:prstGeom>
+          <a:noFill/>
+        </p:spPr>
+        <p:txBody>
+          <a:bodyPr wrap="square" rtlCol="0">
+            <a:spAutoFit/>
+          </a:bodyPr>
+          <a:lstStyle/>
+          <a:p>
+            <a:r>
+              <a:rPr lang="fr-FR" sz="1200" dirty="0" smtClean="0">
+                <a:solidFill>
+                  <a:srgbClr val="FFC000"/>
+                </a:solidFill>
+              </a:rPr>
+              <a:t>6 000</a:t>
+            </a:r>
+            <a:endParaRPr lang="fr-FR" sz="1200" dirty="0">
+              <a:solidFill>
+                <a:srgbClr val="FFC000"/>
+              </a:solidFill>
+            </a:endParaRPr>
+          </a:p>
+        </p:txBody>
+      </p:sp>
+      <p:sp>
+        <p:nvSpPr>
+          <p:cNvPr id="15" name="ZoneTexte 14"/>
+          <p:cNvSpPr txBox="1"/>
+          <p:nvPr/>
+        </p:nvSpPr>
+        <p:spPr>
+          <a:xfrm>
+            <a:off x="4499992" y="4869160"/>
+            <a:ext cx="481789" cy="276999"/>
+          </a:xfrm>
+          <a:prstGeom prst="rect">
+            <a:avLst/>
+          </a:prstGeom>
+          <a:noFill/>
+        </p:spPr>
+        <p:txBody>
+          <a:bodyPr wrap="square" rtlCol="0">
+            <a:spAutoFit/>
+          </a:bodyPr>
+          <a:lstStyle/>
+          <a:p>
+            <a:r>
+              <a:rPr lang="fr-FR" sz="1200" dirty="0" smtClean="0">
+                <a:solidFill>
+                  <a:srgbClr val="FF0000"/>
+                </a:solidFill>
+              </a:rPr>
+              <a:t>600</a:t>
+            </a:r>
+            <a:endParaRPr lang="fr-FR" sz="1200" dirty="0">
+              <a:solidFill>
+                <a:srgbClr val="FF0000"/>
+              </a:solidFill>
+            </a:endParaRPr>
+          </a:p>
+        </p:txBody>
+      </p:sp>
+      <p:sp>
+        <p:nvSpPr>
+          <p:cNvPr id="16" name="ZoneTexte 15"/>
+          <p:cNvSpPr txBox="1"/>
+          <p:nvPr/>
+        </p:nvSpPr>
+        <p:spPr>
+          <a:xfrm>
+            <a:off x="5436096" y="4869160"/>
+            <a:ext cx="644555" cy="276999"/>
+          </a:xfrm>
+          <a:prstGeom prst="rect">
+            <a:avLst/>
+          </a:prstGeom>
+          <a:noFill/>
+        </p:spPr>
+        <p:txBody>
+          <a:bodyPr wrap="square" rtlCol="0">
+            <a:spAutoFit/>
+          </a:bodyPr>
+          <a:lstStyle/>
+          <a:p>
+            <a:r>
+              <a:rPr lang="fr-FR" sz="1200" dirty="0" smtClean="0">
+                <a:solidFill>
+                  <a:srgbClr val="FFC000"/>
+                </a:solidFill>
+              </a:rPr>
+              <a:t>6 000</a:t>
+            </a:r>
+            <a:endParaRPr lang="fr-FR" sz="1200" dirty="0">
+              <a:solidFill>
+                <a:srgbClr val="FFC000"/>
+              </a:solidFill>
+            </a:endParaRPr>
+          </a:p>
+        </p:txBody>
+      </p:sp>
+      <p:sp>
+        <p:nvSpPr>
+          <p:cNvPr id="17" name="ZoneTexte 16"/>
+          <p:cNvSpPr txBox="1"/>
+          <p:nvPr/>
+        </p:nvSpPr>
+        <p:spPr>
+          <a:xfrm>
+            <a:off x="1547664" y="5301208"/>
+            <a:ext cx="936104" cy="369332"/>
+          </a:xfrm>
+          <a:prstGeom prst="rect">
+            <a:avLst/>
+          </a:prstGeom>
+          <a:noFill/>
+        </p:spPr>
+        <p:txBody>
+          <a:bodyPr wrap="square" rtlCol="0">
+            <a:spAutoFit/>
+          </a:bodyPr>
+          <a:lstStyle/>
+          <a:p>
             <a:r>
               <a:rPr lang="fr-FR" dirty="0" smtClean="0"/>
-              <a:t> #1</a:t>
+              <a:t>99.6%</a:t>
             </a:r>
             <a:endParaRPr lang="fr-FR" dirty="0"/>
           </a:p>
@@ -6806,130 +7405,153 @@
       </p:sp>
       <p:sp>
         <p:nvSpPr>
-          <p:cNvPr id="3" name="Espace réservé du contenu 2"/>
-          <p:cNvSpPr>
-            <a:spLocks noGrp="1"/>
-          </p:cNvSpPr>
-          <p:nvPr>
-            <p:ph sz="quarter" idx="1"/>
-          </p:nvPr>
-        </p:nvSpPr>
-        <p:spPr/>
-        <p:txBody>
-          <a:bodyPr>
-            <a:normAutofit/>
+          <p:cNvPr id="18" name="ZoneTexte 17"/>
+          <p:cNvSpPr txBox="1"/>
+          <p:nvPr/>
+        </p:nvSpPr>
+        <p:spPr>
+          <a:xfrm>
+            <a:off x="2483768" y="5301208"/>
+            <a:ext cx="936104" cy="369332"/>
+          </a:xfrm>
+          <a:prstGeom prst="rect">
+            <a:avLst/>
+          </a:prstGeom>
+          <a:noFill/>
+        </p:spPr>
+        <p:txBody>
+          <a:bodyPr wrap="square" rtlCol="0">
+            <a:spAutoFit/>
           </a:bodyPr>
           <a:lstStyle/>
           <a:p>
             <a:r>
               <a:rPr lang="fr-FR" dirty="0" smtClean="0"/>
-              <a:t>KNN:</a:t>
-            </a:r>
-          </a:p>
-          <a:p>
-            <a:pPr lvl="1"/>
-            <a:r>
-              <a:rPr lang="fr-FR" i="1" dirty="0" smtClean="0"/>
-              <a:t>Train</a:t>
-            </a:r>
+              <a:t>69.1%</a:t>
+            </a:r>
+            <a:endParaRPr lang="fr-FR" dirty="0"/>
+          </a:p>
+        </p:txBody>
+      </p:sp>
+      <p:sp>
+        <p:nvSpPr>
+          <p:cNvPr id="19" name="ZoneTexte 18"/>
+          <p:cNvSpPr txBox="1"/>
+          <p:nvPr/>
+        </p:nvSpPr>
+        <p:spPr>
+          <a:xfrm>
+            <a:off x="3419872" y="5301208"/>
+            <a:ext cx="936104" cy="369332"/>
+          </a:xfrm>
+          <a:prstGeom prst="rect">
+            <a:avLst/>
+          </a:prstGeom>
+          <a:noFill/>
+        </p:spPr>
+        <p:txBody>
+          <a:bodyPr wrap="square" rtlCol="0">
+            <a:spAutoFit/>
+          </a:bodyPr>
+          <a:lstStyle/>
+          <a:p>
             <a:r>
               <a:rPr lang="fr-FR" dirty="0" smtClean="0"/>
-              <a:t>, validation and test on the 2 class </a:t>
-            </a:r>
+              <a:t>92.6%</a:t>
+            </a:r>
+            <a:endParaRPr lang="fr-FR" dirty="0"/>
+          </a:p>
+        </p:txBody>
+      </p:sp>
+      <p:sp>
+        <p:nvSpPr>
+          <p:cNvPr id="20" name="ZoneTexte 19"/>
+          <p:cNvSpPr txBox="1"/>
+          <p:nvPr/>
+        </p:nvSpPr>
+        <p:spPr>
+          <a:xfrm>
+            <a:off x="4355976" y="5301208"/>
+            <a:ext cx="936104" cy="369332"/>
+          </a:xfrm>
+          <a:prstGeom prst="rect">
+            <a:avLst/>
+          </a:prstGeom>
+          <a:noFill/>
+        </p:spPr>
+        <p:txBody>
+          <a:bodyPr wrap="square" rtlCol="0">
+            <a:spAutoFit/>
+          </a:bodyPr>
+          <a:lstStyle/>
+          <a:p>
+            <a:r>
+              <a:rPr lang="fr-FR" dirty="0" smtClean="0"/>
+              <a:t>70.2%</a:t>
+            </a:r>
+            <a:endParaRPr lang="fr-FR" dirty="0"/>
+          </a:p>
+        </p:txBody>
+      </p:sp>
+      <p:sp>
+        <p:nvSpPr>
+          <p:cNvPr id="21" name="ZoneTexte 20"/>
+          <p:cNvSpPr txBox="1"/>
+          <p:nvPr/>
+        </p:nvSpPr>
+        <p:spPr>
+          <a:xfrm>
+            <a:off x="5364088" y="5301208"/>
+            <a:ext cx="936104" cy="369332"/>
+          </a:xfrm>
+          <a:prstGeom prst="rect">
+            <a:avLst/>
+          </a:prstGeom>
+          <a:noFill/>
+        </p:spPr>
+        <p:txBody>
+          <a:bodyPr wrap="square" rtlCol="0">
+            <a:spAutoFit/>
+          </a:bodyPr>
+          <a:lstStyle/>
+          <a:p>
+            <a:r>
+              <a:rPr lang="fr-FR" dirty="0" smtClean="0"/>
+              <a:t>96.2%</a:t>
+            </a:r>
+            <a:endParaRPr lang="fr-FR" dirty="0"/>
+          </a:p>
+        </p:txBody>
+      </p:sp>
+      <p:sp>
+        <p:nvSpPr>
+          <p:cNvPr id="22" name="ZoneTexte 21"/>
+          <p:cNvSpPr txBox="1"/>
+          <p:nvPr/>
+        </p:nvSpPr>
+        <p:spPr>
+          <a:xfrm>
+            <a:off x="179512" y="5301208"/>
+            <a:ext cx="1008112" cy="369332"/>
+          </a:xfrm>
+          <a:prstGeom prst="rect">
+            <a:avLst/>
+          </a:prstGeom>
+          <a:noFill/>
+        </p:spPr>
+        <p:txBody>
+          <a:bodyPr wrap="square" rtlCol="0">
+            <a:spAutoFit/>
+          </a:bodyPr>
+          <a:lstStyle/>
+          <a:p>
             <a:r>
               <a:rPr lang="fr-FR" dirty="0" err="1" smtClean="0"/>
-              <a:t>dataset</a:t>
+              <a:t>Recall</a:t>
             </a:r>
             <a:r>
               <a:rPr lang="fr-FR" dirty="0" smtClean="0"/>
-              <a:t>: </a:t>
-            </a:r>
-            <a:r>
-              <a:rPr lang="fr-FR" b="1" dirty="0" smtClean="0"/>
-              <a:t>94% </a:t>
-            </a:r>
-            <a:r>
-              <a:rPr lang="fr-FR" b="1" dirty="0" err="1" smtClean="0"/>
-              <a:t>accuracy</a:t>
-            </a:r>
-            <a:endParaRPr lang="fr-FR" b="1" dirty="0" smtClean="0"/>
-          </a:p>
-          <a:p>
-            <a:pPr lvl="1"/>
-            <a:r>
-              <a:rPr lang="fr-FR" i="1" dirty="0" smtClean="0"/>
-              <a:t>Train</a:t>
-            </a:r>
-            <a:r>
-              <a:rPr lang="fr-FR" dirty="0" smtClean="0"/>
-              <a:t> and validation on the 2 class </a:t>
-            </a:r>
-            <a:r>
-              <a:rPr lang="fr-FR" dirty="0" err="1" smtClean="0"/>
-              <a:t>dataset</a:t>
-            </a:r>
-            <a:r>
-              <a:rPr lang="fr-FR" dirty="0" smtClean="0"/>
-              <a:t>, and test on the 5 class: </a:t>
-            </a:r>
-            <a:r>
-              <a:rPr lang="fr-FR" b="1" dirty="0" smtClean="0"/>
-              <a:t>39% </a:t>
-            </a:r>
-            <a:r>
-              <a:rPr lang="fr-FR" b="1" dirty="0" err="1" smtClean="0"/>
-              <a:t>accuracy</a:t>
-            </a:r>
-            <a:r>
-              <a:rPr lang="fr-FR" dirty="0" smtClean="0"/>
-              <a:t>…</a:t>
-            </a:r>
-          </a:p>
-          <a:p>
-            <a:endParaRPr lang="fr-FR" dirty="0" smtClean="0"/>
-          </a:p>
-          <a:p>
-            <a:r>
-              <a:rPr lang="fr-FR" dirty="0" smtClean="0"/>
-              <a:t>Neural Networks:</a:t>
-            </a:r>
-          </a:p>
-          <a:p>
-            <a:pPr lvl="1"/>
-            <a:r>
-              <a:rPr lang="fr-FR" dirty="0" smtClean="0"/>
-              <a:t>Use </a:t>
-            </a:r>
-            <a:r>
-              <a:rPr lang="fr-FR" dirty="0" err="1" smtClean="0"/>
-              <a:t>recurrent</a:t>
-            </a:r>
-            <a:r>
-              <a:rPr lang="fr-FR" dirty="0" smtClean="0"/>
-              <a:t> NN</a:t>
-            </a:r>
-          </a:p>
-          <a:p>
-            <a:pPr lvl="1"/>
-            <a:r>
-              <a:rPr lang="fr-FR" dirty="0" err="1" smtClean="0"/>
-              <a:t>Actual</a:t>
-            </a:r>
-            <a:r>
-              <a:rPr lang="fr-FR" dirty="0" smtClean="0"/>
-              <a:t> structure </a:t>
-            </a:r>
-            <a:r>
-              <a:rPr lang="fr-FR" dirty="0" err="1" smtClean="0"/>
-              <a:t>from</a:t>
-            </a:r>
-            <a:r>
-              <a:rPr lang="fr-FR" dirty="0" smtClean="0"/>
-              <a:t> the </a:t>
-            </a:r>
-            <a:r>
-              <a:rPr lang="fr-FR" dirty="0" err="1" smtClean="0"/>
-              <a:t>litterature</a:t>
+              <a:t>:</a:t>
             </a:r>
             <a:endParaRPr lang="fr-FR" dirty="0"/>
           </a:p>
@@ -6947,6 +7569,277 @@
       </p:par>
     </p:tnLst>
   </p:timing>
+</p:sld>
+</file>
+
+<file path=ppt/slides/slide8.xml><?xml version="1.0" encoding="utf-8"?>
+<p:sld xmlns:a="http://schemas.openxmlformats.org/drawingml/2006/main" xmlns:r="http://schemas.openxmlformats.org/officeDocument/2006/relationships" xmlns:p="http://schemas.openxmlformats.org/presentationml/2006/main">
+  <p:cSld>
+    <p:spTree>
+      <p:nvGrpSpPr>
+        <p:cNvPr id="1" name=""/>
+        <p:cNvGrpSpPr/>
+        <p:nvPr/>
+      </p:nvGrpSpPr>
+      <p:grpSpPr>
+        <a:xfrm>
+          <a:off x="0" y="0"/>
+          <a:ext cx="0" cy="0"/>
+          <a:chOff x="0" y="0"/>
+          <a:chExt cx="0" cy="0"/>
+        </a:xfrm>
+      </p:grpSpPr>
+      <p:sp>
+        <p:nvSpPr>
+          <p:cNvPr id="2" name="Titre 1"/>
+          <p:cNvSpPr>
+            <a:spLocks noGrp="1"/>
+          </p:cNvSpPr>
+          <p:nvPr>
+            <p:ph type="title"/>
+          </p:nvPr>
+        </p:nvSpPr>
+        <p:spPr/>
+        <p:txBody>
+          <a:bodyPr/>
+          <a:lstStyle/>
+          <a:p>
+            <a:r>
+              <a:rPr lang="fr-FR" dirty="0" smtClean="0"/>
+              <a:t>Baseline KNN model</a:t>
+            </a:r>
+            <a:endParaRPr lang="fr-FR" dirty="0"/>
+          </a:p>
+        </p:txBody>
+      </p:sp>
+      <p:sp>
+        <p:nvSpPr>
+          <p:cNvPr id="3" name="Espace réservé du contenu 2"/>
+          <p:cNvSpPr>
+            <a:spLocks noGrp="1"/>
+          </p:cNvSpPr>
+          <p:nvPr>
+            <p:ph sz="quarter" idx="1"/>
+          </p:nvPr>
+        </p:nvSpPr>
+        <p:spPr/>
+        <p:txBody>
+          <a:bodyPr>
+            <a:normAutofit/>
+          </a:bodyPr>
+          <a:lstStyle/>
+          <a:p>
+            <a:r>
+              <a:rPr lang="fr-FR" dirty="0" smtClean="0"/>
+              <a:t>Conclusion: </a:t>
+            </a:r>
+          </a:p>
+          <a:p>
+            <a:pPr lvl="1"/>
+            <a:r>
+              <a:rPr lang="fr-FR" dirty="0" err="1" smtClean="0"/>
+              <a:t>We</a:t>
+            </a:r>
+            <a:r>
+              <a:rPr lang="fr-FR" dirty="0" smtClean="0"/>
+              <a:t> </a:t>
+            </a:r>
+            <a:r>
+              <a:rPr lang="fr-FR" dirty="0" err="1" smtClean="0"/>
+              <a:t>might</a:t>
+            </a:r>
+            <a:r>
+              <a:rPr lang="fr-FR" dirty="0" smtClean="0"/>
+              <a:t> have issues due to </a:t>
+            </a:r>
+            <a:r>
+              <a:rPr lang="fr-FR" dirty="0" err="1" smtClean="0"/>
+              <a:t>imbalanced</a:t>
+            </a:r>
+            <a:r>
+              <a:rPr lang="fr-FR" dirty="0" smtClean="0"/>
+              <a:t> </a:t>
+            </a:r>
+            <a:r>
+              <a:rPr lang="fr-FR" dirty="0" err="1" smtClean="0"/>
+              <a:t>datasets</a:t>
+            </a:r>
+            <a:endParaRPr lang="fr-FR" dirty="0"/>
+          </a:p>
+        </p:txBody>
+      </p:sp>
+    </p:spTree>
+  </p:cSld>
+  <p:clrMapOvr>
+    <a:masterClrMapping/>
+  </p:clrMapOvr>
+  <p:timing>
+    <p:tnLst>
+      <p:par>
+        <p:cTn id="1" dur="indefinite" restart="never" nodeType="tmRoot"/>
+      </p:par>
+    </p:tnLst>
+  </p:timing>
+</p:sld>
+</file>
+
+<file path=ppt/slides/slide9.xml><?xml version="1.0" encoding="utf-8"?>
+<p:sld xmlns:a="http://schemas.openxmlformats.org/drawingml/2006/main" xmlns:r="http://schemas.openxmlformats.org/officeDocument/2006/relationships" xmlns:p="http://schemas.openxmlformats.org/presentationml/2006/main">
+  <p:cSld>
+    <p:spTree>
+      <p:nvGrpSpPr>
+        <p:cNvPr id="1" name=""/>
+        <p:cNvGrpSpPr/>
+        <p:nvPr/>
+      </p:nvGrpSpPr>
+      <p:grpSpPr>
+        <a:xfrm>
+          <a:off x="0" y="0"/>
+          <a:ext cx="0" cy="0"/>
+          <a:chOff x="0" y="0"/>
+          <a:chExt cx="0" cy="0"/>
+        </a:xfrm>
+      </p:grpSpPr>
+      <p:sp>
+        <p:nvSpPr>
+          <p:cNvPr id="2" name="Titre 1"/>
+          <p:cNvSpPr>
+            <a:spLocks noGrp="1"/>
+          </p:cNvSpPr>
+          <p:nvPr>
+            <p:ph type="title"/>
+          </p:nvPr>
+        </p:nvSpPr>
+        <p:spPr/>
+        <p:txBody>
+          <a:bodyPr/>
+          <a:lstStyle/>
+          <a:p>
+            <a:r>
+              <a:rPr lang="fr-FR" dirty="0" smtClean="0"/>
+              <a:t>Baseline KNN model – New </a:t>
+            </a:r>
+            <a:r>
+              <a:rPr lang="fr-FR" dirty="0" err="1" smtClean="0"/>
+              <a:t>Features</a:t>
+            </a:r>
+            <a:endParaRPr lang="fr-FR" dirty="0"/>
+          </a:p>
+        </p:txBody>
+      </p:sp>
+      <p:sp>
+        <p:nvSpPr>
+          <p:cNvPr id="3" name="Espace réservé du contenu 2"/>
+          <p:cNvSpPr>
+            <a:spLocks noGrp="1"/>
+          </p:cNvSpPr>
+          <p:nvPr>
+            <p:ph sz="quarter" idx="1"/>
+          </p:nvPr>
+        </p:nvSpPr>
+        <p:spPr/>
+        <p:txBody>
+          <a:bodyPr/>
+          <a:lstStyle/>
+          <a:p>
+            <a:r>
+              <a:rPr lang="fr-FR" dirty="0" smtClean="0"/>
+              <a:t>New </a:t>
+            </a:r>
+            <a:r>
+              <a:rPr lang="fr-FR" dirty="0" err="1" smtClean="0"/>
+              <a:t>features</a:t>
+            </a:r>
+            <a:endParaRPr lang="fr-FR" dirty="0" smtClean="0"/>
+          </a:p>
+          <a:p>
+            <a:pPr lvl="1"/>
+            <a:endParaRPr lang="fr-FR" dirty="0" smtClean="0"/>
+          </a:p>
+          <a:p>
+            <a:pPr lvl="1"/>
+            <a:endParaRPr lang="fr-FR" dirty="0" smtClean="0"/>
+          </a:p>
+          <a:p>
+            <a:pPr lvl="1"/>
+            <a:endParaRPr lang="fr-FR" dirty="0" smtClean="0"/>
+          </a:p>
+          <a:p>
+            <a:pPr lvl="1"/>
+            <a:endParaRPr lang="fr-FR" dirty="0" smtClean="0"/>
+          </a:p>
+          <a:p>
+            <a:pPr lvl="1"/>
+            <a:r>
+              <a:rPr lang="fr-FR" dirty="0" err="1" smtClean="0"/>
+              <a:t>Mean</a:t>
+            </a:r>
+            <a:endParaRPr lang="fr-FR" dirty="0" smtClean="0"/>
+          </a:p>
+          <a:p>
+            <a:pPr lvl="1"/>
+            <a:r>
+              <a:rPr lang="fr-FR" dirty="0" err="1" smtClean="0"/>
+              <a:t>Median</a:t>
+            </a:r>
+            <a:endParaRPr lang="fr-FR" dirty="0" smtClean="0"/>
+          </a:p>
+          <a:p>
+            <a:pPr lvl="1"/>
+            <a:r>
+              <a:rPr lang="fr-FR" dirty="0" err="1" smtClean="0"/>
+              <a:t>Std</a:t>
+            </a:r>
+            <a:endParaRPr lang="fr-FR" dirty="0" smtClean="0"/>
+          </a:p>
+          <a:p>
+            <a:pPr lvl="1"/>
+            <a:r>
+              <a:rPr lang="fr-FR" dirty="0" err="1" smtClean="0"/>
+              <a:t>Length</a:t>
+            </a:r>
+            <a:endParaRPr lang="fr-FR" dirty="0" smtClean="0"/>
+          </a:p>
+          <a:p>
+            <a:pPr lvl="1"/>
+            <a:r>
+              <a:rPr lang="fr-FR" dirty="0" smtClean="0"/>
+              <a:t>Quantiles: 5%, 25%, 75%, 95%</a:t>
+            </a:r>
+            <a:endParaRPr lang="fr-FR" dirty="0"/>
+          </a:p>
+        </p:txBody>
+      </p:sp>
+      <p:pic>
+        <p:nvPicPr>
+          <p:cNvPr id="5" name="Image 4" descr="Binary dataset.png"/>
+          <p:cNvPicPr>
+            <a:picLocks noChangeAspect="1"/>
+          </p:cNvPicPr>
+          <p:nvPr/>
+        </p:nvPicPr>
+        <p:blipFill>
+          <a:blip r:embed="rId2" cstate="print"/>
+          <a:srcRect b="64846"/>
+          <a:stretch>
+            <a:fillRect/>
+          </a:stretch>
+        </p:blipFill>
+        <p:spPr>
+          <a:xfrm>
+            <a:off x="2915816" y="2204864"/>
+            <a:ext cx="4968552" cy="1723123"/>
+          </a:xfrm>
+          <a:prstGeom prst="rect">
+            <a:avLst/>
+          </a:prstGeom>
+        </p:spPr>
+      </p:pic>
+    </p:spTree>
+  </p:cSld>
+  <p:clrMapOvr>
+    <a:masterClrMapping/>
+  </p:clrMapOvr>
 </p:sld>
 </file>
 

--- a/ECG_presentation3.pptx
+++ b/ECG_presentation3.pptx
@@ -15,6 +15,10 @@
     <p:sldId id="260" r:id="rId9"/>
     <p:sldId id="266" r:id="rId10"/>
     <p:sldId id="267" r:id="rId11"/>
+    <p:sldId id="268" r:id="rId12"/>
+    <p:sldId id="269" r:id="rId13"/>
+    <p:sldId id="270" r:id="rId14"/>
+    <p:sldId id="271" r:id="rId15"/>
   </p:sldIdLst>
   <p:sldSz cx="9144000" cy="6858000" type="screen4x3"/>
   <p:notesSz cx="6858000" cy="9144000"/>
@@ -5323,6 +5327,1194 @@
 </p:sld>
 </file>
 
+<file path=ppt/slides/slide11.xml><?xml version="1.0" encoding="utf-8"?>
+<p:sld xmlns:a="http://schemas.openxmlformats.org/drawingml/2006/main" xmlns:r="http://schemas.openxmlformats.org/officeDocument/2006/relationships" xmlns:p="http://schemas.openxmlformats.org/presentationml/2006/main">
+  <p:cSld>
+    <p:spTree>
+      <p:nvGrpSpPr>
+        <p:cNvPr id="1" name=""/>
+        <p:cNvGrpSpPr/>
+        <p:nvPr/>
+      </p:nvGrpSpPr>
+      <p:grpSpPr>
+        <a:xfrm>
+          <a:off x="0" y="0"/>
+          <a:ext cx="0" cy="0"/>
+          <a:chOff x="0" y="0"/>
+          <a:chExt cx="0" cy="0"/>
+        </a:xfrm>
+      </p:grpSpPr>
+      <p:sp>
+        <p:nvSpPr>
+          <p:cNvPr id="2" name="Titre 1"/>
+          <p:cNvSpPr>
+            <a:spLocks noGrp="1"/>
+          </p:cNvSpPr>
+          <p:nvPr>
+            <p:ph type="title"/>
+          </p:nvPr>
+        </p:nvSpPr>
+        <p:spPr/>
+        <p:txBody>
+          <a:bodyPr/>
+          <a:lstStyle/>
+          <a:p>
+            <a:r>
+              <a:rPr lang="fr-FR" dirty="0" smtClean="0"/>
+              <a:t>Baseline KNN model</a:t>
+            </a:r>
+            <a:endParaRPr lang="fr-FR" dirty="0"/>
+          </a:p>
+        </p:txBody>
+      </p:sp>
+      <p:sp>
+        <p:nvSpPr>
+          <p:cNvPr id="3" name="Espace réservé du contenu 2"/>
+          <p:cNvSpPr>
+            <a:spLocks noGrp="1"/>
+          </p:cNvSpPr>
+          <p:nvPr>
+            <p:ph sz="quarter" idx="1"/>
+          </p:nvPr>
+        </p:nvSpPr>
+        <p:spPr/>
+        <p:txBody>
+          <a:bodyPr>
+            <a:normAutofit/>
+          </a:bodyPr>
+          <a:lstStyle/>
+          <a:p>
+            <a:r>
+              <a:rPr lang="fr-FR" dirty="0" smtClean="0"/>
+              <a:t>Conclusions:</a:t>
+            </a:r>
+          </a:p>
+          <a:p>
+            <a:pPr lvl="1">
+              <a:buNone/>
+            </a:pPr>
+            <a:r>
+              <a:rPr lang="fr-FR" dirty="0" smtClean="0"/>
+              <a:t> </a:t>
+            </a:r>
+          </a:p>
+          <a:p>
+            <a:pPr lvl="1"/>
+            <a:r>
+              <a:rPr lang="fr-FR" dirty="0" err="1" smtClean="0"/>
+              <a:t>We</a:t>
+            </a:r>
+            <a:r>
+              <a:rPr lang="fr-FR" dirty="0" smtClean="0"/>
+              <a:t> </a:t>
+            </a:r>
+            <a:r>
+              <a:rPr lang="fr-FR" dirty="0" err="1" smtClean="0"/>
+              <a:t>might</a:t>
+            </a:r>
+            <a:r>
+              <a:rPr lang="fr-FR" dirty="0" smtClean="0"/>
+              <a:t> have issues due to </a:t>
+            </a:r>
+            <a:r>
+              <a:rPr lang="fr-FR" dirty="0" err="1" smtClean="0"/>
+              <a:t>imbalanced</a:t>
+            </a:r>
+            <a:r>
+              <a:rPr lang="fr-FR" dirty="0" smtClean="0"/>
+              <a:t> </a:t>
+            </a:r>
+            <a:r>
+              <a:rPr lang="fr-FR" dirty="0" err="1" smtClean="0"/>
+              <a:t>datasets</a:t>
+            </a:r>
+            <a:endParaRPr lang="fr-FR" dirty="0" smtClean="0"/>
+          </a:p>
+          <a:p>
+            <a:pPr lvl="1"/>
+            <a:endParaRPr lang="fr-FR" dirty="0" smtClean="0"/>
+          </a:p>
+          <a:p>
+            <a:pPr lvl="1"/>
+            <a:r>
+              <a:rPr lang="fr-FR" dirty="0" smtClean="0"/>
+              <a:t>The new </a:t>
+            </a:r>
+            <a:r>
+              <a:rPr lang="fr-FR" dirty="0" err="1" smtClean="0"/>
+              <a:t>features</a:t>
+            </a:r>
+            <a:r>
+              <a:rPr lang="fr-FR" dirty="0" smtClean="0"/>
+              <a:t> </a:t>
+            </a:r>
+            <a:r>
+              <a:rPr lang="fr-FR" dirty="0" err="1" smtClean="0"/>
+              <a:t>that</a:t>
+            </a:r>
+            <a:r>
+              <a:rPr lang="fr-FR" dirty="0" smtClean="0"/>
+              <a:t> have been </a:t>
+            </a:r>
+            <a:r>
+              <a:rPr lang="fr-FR" dirty="0" err="1" smtClean="0"/>
+              <a:t>tested</a:t>
+            </a:r>
+            <a:r>
+              <a:rPr lang="fr-FR" dirty="0" smtClean="0"/>
+              <a:t> </a:t>
+            </a:r>
+            <a:r>
+              <a:rPr lang="fr-FR" dirty="0" err="1" smtClean="0"/>
+              <a:t>don’t</a:t>
+            </a:r>
+            <a:r>
+              <a:rPr lang="fr-FR" dirty="0" smtClean="0"/>
+              <a:t> </a:t>
+            </a:r>
+            <a:r>
+              <a:rPr lang="fr-FR" dirty="0" err="1" smtClean="0"/>
+              <a:t>seem</a:t>
+            </a:r>
+            <a:r>
+              <a:rPr lang="fr-FR" dirty="0" smtClean="0"/>
+              <a:t> relevant</a:t>
+            </a:r>
+            <a:endParaRPr lang="fr-FR" dirty="0"/>
+          </a:p>
+        </p:txBody>
+      </p:sp>
+    </p:spTree>
+  </p:cSld>
+  <p:clrMapOvr>
+    <a:masterClrMapping/>
+  </p:clrMapOvr>
+  <p:timing>
+    <p:tnLst>
+      <p:par>
+        <p:cTn id="1" dur="indefinite" restart="never" nodeType="tmRoot"/>
+      </p:par>
+    </p:tnLst>
+  </p:timing>
+</p:sld>
+</file>
+
+<file path=ppt/slides/slide12.xml><?xml version="1.0" encoding="utf-8"?>
+<p:sld xmlns:a="http://schemas.openxmlformats.org/drawingml/2006/main" xmlns:r="http://schemas.openxmlformats.org/officeDocument/2006/relationships" xmlns:p="http://schemas.openxmlformats.org/presentationml/2006/main">
+  <p:cSld>
+    <p:spTree>
+      <p:nvGrpSpPr>
+        <p:cNvPr id="1" name=""/>
+        <p:cNvGrpSpPr/>
+        <p:nvPr/>
+      </p:nvGrpSpPr>
+      <p:grpSpPr>
+        <a:xfrm>
+          <a:off x="0" y="0"/>
+          <a:ext cx="0" cy="0"/>
+          <a:chOff x="0" y="0"/>
+          <a:chExt cx="0" cy="0"/>
+        </a:xfrm>
+      </p:grpSpPr>
+      <p:sp>
+        <p:nvSpPr>
+          <p:cNvPr id="2" name="Titre 1"/>
+          <p:cNvSpPr>
+            <a:spLocks noGrp="1"/>
+          </p:cNvSpPr>
+          <p:nvPr>
+            <p:ph type="title"/>
+          </p:nvPr>
+        </p:nvSpPr>
+        <p:spPr/>
+        <p:txBody>
+          <a:bodyPr/>
+          <a:lstStyle/>
+          <a:p>
+            <a:r>
+              <a:rPr lang="fr-FR" dirty="0" smtClean="0"/>
+              <a:t>Baseline KNN model</a:t>
+            </a:r>
+            <a:endParaRPr lang="fr-FR" dirty="0"/>
+          </a:p>
+        </p:txBody>
+      </p:sp>
+      <p:sp>
+        <p:nvSpPr>
+          <p:cNvPr id="3" name="Espace réservé du contenu 2"/>
+          <p:cNvSpPr>
+            <a:spLocks noGrp="1"/>
+          </p:cNvSpPr>
+          <p:nvPr>
+            <p:ph sz="quarter" idx="1"/>
+          </p:nvPr>
+        </p:nvSpPr>
+        <p:spPr/>
+        <p:txBody>
+          <a:bodyPr/>
+          <a:lstStyle/>
+          <a:p>
+            <a:r>
+              <a:rPr lang="fr-FR" dirty="0" err="1" smtClean="0"/>
+              <a:t>Dealing</a:t>
+            </a:r>
+            <a:r>
+              <a:rPr lang="fr-FR" dirty="0" smtClean="0"/>
+              <a:t> </a:t>
+            </a:r>
+            <a:r>
+              <a:rPr lang="fr-FR" dirty="0" err="1" smtClean="0"/>
+              <a:t>with</a:t>
+            </a:r>
+            <a:r>
+              <a:rPr lang="fr-FR" dirty="0" smtClean="0"/>
+              <a:t> an </a:t>
+            </a:r>
+            <a:r>
+              <a:rPr lang="fr-FR" dirty="0" err="1" smtClean="0"/>
+              <a:t>unbalanced</a:t>
+            </a:r>
+            <a:r>
+              <a:rPr lang="fr-FR" dirty="0" smtClean="0"/>
+              <a:t> </a:t>
+            </a:r>
+            <a:r>
+              <a:rPr lang="fr-FR" dirty="0" err="1" smtClean="0"/>
+              <a:t>dataset</a:t>
+            </a:r>
+            <a:r>
+              <a:rPr lang="fr-FR" dirty="0" smtClean="0"/>
+              <a:t>…</a:t>
+            </a:r>
+          </a:p>
+          <a:p>
+            <a:pPr lvl="4">
+              <a:buNone/>
+            </a:pPr>
+            <a:endParaRPr lang="fr-FR" dirty="0" smtClean="0"/>
+          </a:p>
+          <a:p>
+            <a:pPr lvl="1"/>
+            <a:r>
+              <a:rPr lang="fr-FR" dirty="0" smtClean="0"/>
+              <a:t>Initial split: </a:t>
+            </a:r>
+            <a:r>
+              <a:rPr lang="fr-FR" dirty="0" smtClean="0">
+                <a:solidFill>
+                  <a:srgbClr val="00B050"/>
+                </a:solidFill>
+              </a:rPr>
+              <a:t>72 471</a:t>
+            </a:r>
+            <a:r>
+              <a:rPr lang="fr-FR" dirty="0" smtClean="0"/>
+              <a:t>, </a:t>
+            </a:r>
+            <a:r>
+              <a:rPr lang="fr-FR" dirty="0" smtClean="0">
+                <a:solidFill>
+                  <a:schemeClr val="accent1"/>
+                </a:solidFill>
+              </a:rPr>
+              <a:t>2 223</a:t>
+            </a:r>
+            <a:r>
+              <a:rPr lang="fr-FR" dirty="0" smtClean="0"/>
+              <a:t>, </a:t>
+            </a:r>
+            <a:r>
+              <a:rPr lang="fr-FR" dirty="0" smtClean="0">
+                <a:solidFill>
+                  <a:srgbClr val="FFC000"/>
+                </a:solidFill>
+              </a:rPr>
+              <a:t>5 788</a:t>
+            </a:r>
+            <a:r>
+              <a:rPr lang="fr-FR" dirty="0" smtClean="0"/>
+              <a:t>, </a:t>
+            </a:r>
+            <a:r>
+              <a:rPr lang="fr-FR" dirty="0" smtClean="0">
+                <a:solidFill>
+                  <a:srgbClr val="FF0000"/>
+                </a:solidFill>
+              </a:rPr>
+              <a:t>641</a:t>
+            </a:r>
+            <a:r>
+              <a:rPr lang="fr-FR" dirty="0" smtClean="0"/>
+              <a:t>, </a:t>
+            </a:r>
+            <a:r>
+              <a:rPr lang="fr-FR" dirty="0" smtClean="0">
+                <a:solidFill>
+                  <a:srgbClr val="FFC000"/>
+                </a:solidFill>
+              </a:rPr>
+              <a:t>6 431</a:t>
+            </a:r>
+            <a:r>
+              <a:rPr lang="fr-FR" dirty="0" smtClean="0"/>
+              <a:t/>
+            </a:r>
+            <a:br>
+              <a:rPr lang="fr-FR" dirty="0" smtClean="0"/>
+            </a:br>
+            <a:r>
+              <a:rPr lang="fr-FR" dirty="0" smtClean="0"/>
+              <a:t>Initial </a:t>
+            </a:r>
+            <a:r>
+              <a:rPr lang="fr-FR" dirty="0" err="1" smtClean="0"/>
+              <a:t>recalls</a:t>
+            </a:r>
+            <a:r>
+              <a:rPr lang="fr-FR" dirty="0" smtClean="0"/>
+              <a:t>: 99.6%, </a:t>
+            </a:r>
+            <a:r>
+              <a:rPr lang="fr-FR" b="1" dirty="0" smtClean="0"/>
+              <a:t>69.1%</a:t>
+            </a:r>
+            <a:r>
+              <a:rPr lang="fr-FR" dirty="0" smtClean="0"/>
+              <a:t>, 92.6%, </a:t>
+            </a:r>
+            <a:r>
+              <a:rPr lang="fr-FR" b="1" dirty="0" smtClean="0"/>
+              <a:t>70.2%</a:t>
+            </a:r>
+            <a:r>
+              <a:rPr lang="fr-FR" dirty="0" smtClean="0"/>
+              <a:t>,</a:t>
+            </a:r>
+            <a:r>
+              <a:rPr lang="fr-FR" b="1" dirty="0" smtClean="0"/>
+              <a:t> </a:t>
+            </a:r>
+            <a:r>
+              <a:rPr lang="fr-FR" dirty="0" smtClean="0"/>
+              <a:t>96.2%</a:t>
+            </a:r>
+          </a:p>
+          <a:p>
+            <a:pPr lvl="1"/>
+            <a:endParaRPr lang="fr-FR" dirty="0" smtClean="0"/>
+          </a:p>
+          <a:p>
+            <a:pPr lvl="1">
+              <a:buFont typeface="Wingdings"/>
+              <a:buChar char="à"/>
+            </a:pPr>
+            <a:r>
+              <a:rPr lang="fr-FR" dirty="0" err="1" smtClean="0">
+                <a:sym typeface="Wingdings" pitchFamily="2" charset="2"/>
+              </a:rPr>
+              <a:t>Undersample</a:t>
+            </a:r>
+            <a:r>
+              <a:rPr lang="fr-FR" dirty="0" smtClean="0">
+                <a:sym typeface="Wingdings" pitchFamily="2" charset="2"/>
+              </a:rPr>
+              <a:t> the </a:t>
+            </a:r>
+            <a:r>
+              <a:rPr lang="fr-FR" dirty="0" err="1" smtClean="0">
+                <a:sym typeface="Wingdings" pitchFamily="2" charset="2"/>
+              </a:rPr>
+              <a:t>majority</a:t>
+            </a:r>
+            <a:r>
+              <a:rPr lang="fr-FR" dirty="0" smtClean="0">
+                <a:sym typeface="Wingdings" pitchFamily="2" charset="2"/>
+              </a:rPr>
+              <a:t> class</a:t>
+            </a:r>
+          </a:p>
+          <a:p>
+            <a:pPr lvl="1">
+              <a:buFont typeface="Wingdings"/>
+              <a:buChar char="à"/>
+            </a:pPr>
+            <a:r>
+              <a:rPr lang="fr-FR" dirty="0" err="1" smtClean="0">
+                <a:sym typeface="Wingdings" pitchFamily="2" charset="2"/>
+              </a:rPr>
+              <a:t>Oversample</a:t>
+            </a:r>
+            <a:r>
+              <a:rPr lang="fr-FR" dirty="0" smtClean="0">
+                <a:sym typeface="Wingdings" pitchFamily="2" charset="2"/>
+              </a:rPr>
+              <a:t> the 2 </a:t>
+            </a:r>
+            <a:r>
+              <a:rPr lang="fr-FR" dirty="0" err="1" smtClean="0">
+                <a:sym typeface="Wingdings" pitchFamily="2" charset="2"/>
+              </a:rPr>
+              <a:t>smallest</a:t>
+            </a:r>
+            <a:r>
+              <a:rPr lang="fr-FR" dirty="0" smtClean="0">
+                <a:sym typeface="Wingdings" pitchFamily="2" charset="2"/>
+              </a:rPr>
+              <a:t> </a:t>
+            </a:r>
+            <a:r>
+              <a:rPr lang="fr-FR" dirty="0" err="1" smtClean="0">
+                <a:sym typeface="Wingdings" pitchFamily="2" charset="2"/>
+              </a:rPr>
+              <a:t>minority</a:t>
+            </a:r>
+            <a:r>
+              <a:rPr lang="fr-FR" dirty="0" smtClean="0">
+                <a:sym typeface="Wingdings" pitchFamily="2" charset="2"/>
+              </a:rPr>
+              <a:t> classes (duplicates)</a:t>
+            </a:r>
+          </a:p>
+          <a:p>
+            <a:pPr lvl="1">
+              <a:buFont typeface="Wingdings"/>
+              <a:buChar char="à"/>
+            </a:pPr>
+            <a:endParaRPr lang="fr-FR" dirty="0" smtClean="0">
+              <a:sym typeface="Wingdings" pitchFamily="2" charset="2"/>
+            </a:endParaRPr>
+          </a:p>
+          <a:p>
+            <a:pPr lvl="1"/>
+            <a:r>
+              <a:rPr lang="fr-FR" dirty="0" smtClean="0">
+                <a:sym typeface="Wingdings" pitchFamily="2" charset="2"/>
+              </a:rPr>
+              <a:t>New split: </a:t>
+            </a:r>
+            <a:r>
+              <a:rPr lang="fr-FR" b="1" dirty="0" smtClean="0">
+                <a:sym typeface="Wingdings" pitchFamily="2" charset="2"/>
+              </a:rPr>
+              <a:t>50 000</a:t>
+            </a:r>
+            <a:r>
+              <a:rPr lang="fr-FR" dirty="0" smtClean="0">
+                <a:sym typeface="Wingdings" pitchFamily="2" charset="2"/>
+              </a:rPr>
+              <a:t>, </a:t>
+            </a:r>
+            <a:r>
+              <a:rPr lang="fr-FR" b="1" dirty="0" smtClean="0">
+                <a:sym typeface="Wingdings" pitchFamily="2" charset="2"/>
+              </a:rPr>
+              <a:t>4 000</a:t>
+            </a:r>
+            <a:r>
+              <a:rPr lang="fr-FR" dirty="0" smtClean="0">
+                <a:sym typeface="Wingdings" pitchFamily="2" charset="2"/>
+              </a:rPr>
+              <a:t>, 5 788, </a:t>
+            </a:r>
+            <a:r>
+              <a:rPr lang="fr-FR" b="1" dirty="0" smtClean="0">
+                <a:sym typeface="Wingdings" pitchFamily="2" charset="2"/>
+              </a:rPr>
+              <a:t>2 000</a:t>
+            </a:r>
+            <a:r>
+              <a:rPr lang="fr-FR" dirty="0" smtClean="0">
+                <a:sym typeface="Wingdings" pitchFamily="2" charset="2"/>
+              </a:rPr>
+              <a:t>, 6 431</a:t>
+            </a:r>
+            <a:br>
+              <a:rPr lang="fr-FR" dirty="0" smtClean="0">
+                <a:sym typeface="Wingdings" pitchFamily="2" charset="2"/>
+              </a:rPr>
+            </a:br>
+            <a:r>
+              <a:rPr lang="fr-FR" dirty="0" smtClean="0">
+                <a:sym typeface="Wingdings" pitchFamily="2" charset="2"/>
+              </a:rPr>
+              <a:t>New </a:t>
+            </a:r>
+            <a:r>
+              <a:rPr lang="fr-FR" dirty="0" err="1" smtClean="0">
+                <a:sym typeface="Wingdings" pitchFamily="2" charset="2"/>
+              </a:rPr>
+              <a:t>recalls</a:t>
+            </a:r>
+            <a:r>
+              <a:rPr lang="fr-FR" dirty="0" smtClean="0">
+                <a:sym typeface="Wingdings" pitchFamily="2" charset="2"/>
+              </a:rPr>
+              <a:t>: 98.9%, </a:t>
+            </a:r>
+            <a:r>
+              <a:rPr lang="fr-FR" b="1" dirty="0" smtClean="0">
+                <a:sym typeface="Wingdings" pitchFamily="2" charset="2"/>
+              </a:rPr>
+              <a:t>80.4%</a:t>
+            </a:r>
+            <a:r>
+              <a:rPr lang="fr-FR" dirty="0" smtClean="0">
+                <a:sym typeface="Wingdings" pitchFamily="2" charset="2"/>
+              </a:rPr>
+              <a:t>, 91.3%, </a:t>
+            </a:r>
+            <a:r>
+              <a:rPr lang="fr-FR" b="1" dirty="0" smtClean="0">
+                <a:sym typeface="Wingdings" pitchFamily="2" charset="2"/>
+              </a:rPr>
+              <a:t>89.2%</a:t>
+            </a:r>
+            <a:r>
+              <a:rPr lang="fr-FR" dirty="0" smtClean="0">
+                <a:sym typeface="Wingdings" pitchFamily="2" charset="2"/>
+              </a:rPr>
+              <a:t>, 96.5%</a:t>
+            </a:r>
+          </a:p>
+        </p:txBody>
+      </p:sp>
+    </p:spTree>
+  </p:cSld>
+  <p:clrMapOvr>
+    <a:masterClrMapping/>
+  </p:clrMapOvr>
+</p:sld>
+</file>
+
+<file path=ppt/slides/slide13.xml><?xml version="1.0" encoding="utf-8"?>
+<p:sld xmlns:a="http://schemas.openxmlformats.org/drawingml/2006/main" xmlns:r="http://schemas.openxmlformats.org/officeDocument/2006/relationships" xmlns:p="http://schemas.openxmlformats.org/presentationml/2006/main">
+  <p:cSld>
+    <p:spTree>
+      <p:nvGrpSpPr>
+        <p:cNvPr id="1" name=""/>
+        <p:cNvGrpSpPr/>
+        <p:nvPr/>
+      </p:nvGrpSpPr>
+      <p:grpSpPr>
+        <a:xfrm>
+          <a:off x="0" y="0"/>
+          <a:ext cx="0" cy="0"/>
+          <a:chOff x="0" y="0"/>
+          <a:chExt cx="0" cy="0"/>
+        </a:xfrm>
+      </p:grpSpPr>
+      <p:sp>
+        <p:nvSpPr>
+          <p:cNvPr id="2" name="Titre 1"/>
+          <p:cNvSpPr>
+            <a:spLocks noGrp="1"/>
+          </p:cNvSpPr>
+          <p:nvPr>
+            <p:ph type="title"/>
+          </p:nvPr>
+        </p:nvSpPr>
+        <p:spPr/>
+        <p:txBody>
+          <a:bodyPr/>
+          <a:lstStyle/>
+          <a:p>
+            <a:r>
+              <a:rPr lang="fr-FR" dirty="0" smtClean="0"/>
+              <a:t>Baseline KNN model</a:t>
+            </a:r>
+            <a:endParaRPr lang="fr-FR" dirty="0"/>
+          </a:p>
+        </p:txBody>
+      </p:sp>
+      <p:sp>
+        <p:nvSpPr>
+          <p:cNvPr id="3" name="Espace réservé du contenu 2"/>
+          <p:cNvSpPr>
+            <a:spLocks noGrp="1"/>
+          </p:cNvSpPr>
+          <p:nvPr>
+            <p:ph sz="quarter" idx="1"/>
+          </p:nvPr>
+        </p:nvSpPr>
+        <p:spPr/>
+        <p:txBody>
+          <a:bodyPr/>
+          <a:lstStyle/>
+          <a:p>
+            <a:r>
+              <a:rPr lang="fr-FR" dirty="0" err="1" smtClean="0"/>
+              <a:t>Dealing</a:t>
+            </a:r>
+            <a:r>
+              <a:rPr lang="fr-FR" dirty="0" smtClean="0"/>
+              <a:t> </a:t>
+            </a:r>
+            <a:r>
+              <a:rPr lang="fr-FR" dirty="0" err="1" smtClean="0"/>
+              <a:t>with</a:t>
+            </a:r>
+            <a:r>
+              <a:rPr lang="fr-FR" dirty="0" smtClean="0"/>
+              <a:t> an </a:t>
+            </a:r>
+            <a:r>
+              <a:rPr lang="fr-FR" dirty="0" err="1" smtClean="0"/>
+              <a:t>unbalanced</a:t>
+            </a:r>
+            <a:r>
+              <a:rPr lang="fr-FR" dirty="0" smtClean="0"/>
+              <a:t> </a:t>
+            </a:r>
+            <a:r>
+              <a:rPr lang="fr-FR" dirty="0" err="1" smtClean="0"/>
+              <a:t>dataset</a:t>
+            </a:r>
+            <a:r>
+              <a:rPr lang="fr-FR" dirty="0" smtClean="0"/>
+              <a:t>…</a:t>
+            </a:r>
+          </a:p>
+          <a:p>
+            <a:pPr lvl="4">
+              <a:buNone/>
+            </a:pPr>
+            <a:endParaRPr lang="fr-FR" dirty="0" smtClean="0"/>
+          </a:p>
+          <a:p>
+            <a:pPr lvl="1"/>
+            <a:r>
+              <a:rPr lang="fr-FR" dirty="0" smtClean="0"/>
+              <a:t>Initial split: </a:t>
+            </a:r>
+            <a:r>
+              <a:rPr lang="fr-FR" dirty="0" smtClean="0">
+                <a:solidFill>
+                  <a:srgbClr val="00B050"/>
+                </a:solidFill>
+              </a:rPr>
+              <a:t>72 471</a:t>
+            </a:r>
+            <a:r>
+              <a:rPr lang="fr-FR" dirty="0" smtClean="0"/>
+              <a:t>, </a:t>
+            </a:r>
+            <a:r>
+              <a:rPr lang="fr-FR" dirty="0" smtClean="0">
+                <a:solidFill>
+                  <a:schemeClr val="accent1"/>
+                </a:solidFill>
+              </a:rPr>
+              <a:t>2 223</a:t>
+            </a:r>
+            <a:r>
+              <a:rPr lang="fr-FR" dirty="0" smtClean="0"/>
+              <a:t>, </a:t>
+            </a:r>
+            <a:r>
+              <a:rPr lang="fr-FR" dirty="0" smtClean="0">
+                <a:solidFill>
+                  <a:srgbClr val="FFC000"/>
+                </a:solidFill>
+              </a:rPr>
+              <a:t>5 788</a:t>
+            </a:r>
+            <a:r>
+              <a:rPr lang="fr-FR" dirty="0" smtClean="0"/>
+              <a:t>, </a:t>
+            </a:r>
+            <a:r>
+              <a:rPr lang="fr-FR" dirty="0" smtClean="0">
+                <a:solidFill>
+                  <a:srgbClr val="FF0000"/>
+                </a:solidFill>
+              </a:rPr>
+              <a:t>641</a:t>
+            </a:r>
+            <a:r>
+              <a:rPr lang="fr-FR" dirty="0" smtClean="0"/>
+              <a:t>, </a:t>
+            </a:r>
+            <a:r>
+              <a:rPr lang="fr-FR" dirty="0" smtClean="0">
+                <a:solidFill>
+                  <a:srgbClr val="FFC000"/>
+                </a:solidFill>
+              </a:rPr>
+              <a:t>6 431</a:t>
+            </a:r>
+            <a:r>
+              <a:rPr lang="fr-FR" dirty="0" smtClean="0"/>
+              <a:t/>
+            </a:r>
+            <a:br>
+              <a:rPr lang="fr-FR" dirty="0" smtClean="0"/>
+            </a:br>
+            <a:r>
+              <a:rPr lang="fr-FR" dirty="0" smtClean="0"/>
+              <a:t>Initial </a:t>
+            </a:r>
+            <a:r>
+              <a:rPr lang="fr-FR" dirty="0" err="1" smtClean="0"/>
+              <a:t>recalls</a:t>
+            </a:r>
+            <a:r>
+              <a:rPr lang="fr-FR" dirty="0" smtClean="0"/>
+              <a:t>: 99.6%, </a:t>
+            </a:r>
+            <a:r>
+              <a:rPr lang="fr-FR" b="1" dirty="0" smtClean="0"/>
+              <a:t>69.1%</a:t>
+            </a:r>
+            <a:r>
+              <a:rPr lang="fr-FR" dirty="0" smtClean="0"/>
+              <a:t>, 92.6%, </a:t>
+            </a:r>
+            <a:r>
+              <a:rPr lang="fr-FR" b="1" dirty="0" smtClean="0"/>
+              <a:t>70.2%</a:t>
+            </a:r>
+            <a:r>
+              <a:rPr lang="fr-FR" dirty="0" smtClean="0"/>
+              <a:t>,</a:t>
+            </a:r>
+            <a:r>
+              <a:rPr lang="fr-FR" b="1" dirty="0" smtClean="0"/>
+              <a:t> </a:t>
+            </a:r>
+            <a:r>
+              <a:rPr lang="fr-FR" dirty="0" smtClean="0"/>
+              <a:t>96.2%</a:t>
+            </a:r>
+          </a:p>
+          <a:p>
+            <a:pPr lvl="1"/>
+            <a:endParaRPr lang="fr-FR" dirty="0" smtClean="0"/>
+          </a:p>
+          <a:p>
+            <a:pPr lvl="1">
+              <a:buFont typeface="Wingdings"/>
+              <a:buChar char="à"/>
+            </a:pPr>
+            <a:r>
+              <a:rPr lang="fr-FR" dirty="0" err="1" smtClean="0">
+                <a:sym typeface="Wingdings" pitchFamily="2" charset="2"/>
+              </a:rPr>
+              <a:t>Undersample</a:t>
+            </a:r>
+            <a:r>
+              <a:rPr lang="fr-FR" dirty="0" smtClean="0">
+                <a:sym typeface="Wingdings" pitchFamily="2" charset="2"/>
+              </a:rPr>
+              <a:t> the </a:t>
+            </a:r>
+            <a:r>
+              <a:rPr lang="fr-FR" dirty="0" err="1" smtClean="0">
+                <a:sym typeface="Wingdings" pitchFamily="2" charset="2"/>
+              </a:rPr>
+              <a:t>majority</a:t>
+            </a:r>
+            <a:r>
+              <a:rPr lang="fr-FR" dirty="0" smtClean="0">
+                <a:sym typeface="Wingdings" pitchFamily="2" charset="2"/>
+              </a:rPr>
+              <a:t> class</a:t>
+            </a:r>
+          </a:p>
+          <a:p>
+            <a:pPr lvl="1">
+              <a:buFont typeface="Wingdings"/>
+              <a:buChar char="à"/>
+            </a:pPr>
+            <a:r>
+              <a:rPr lang="fr-FR" dirty="0" err="1" smtClean="0">
+                <a:sym typeface="Wingdings" pitchFamily="2" charset="2"/>
+              </a:rPr>
+              <a:t>Oversample</a:t>
+            </a:r>
+            <a:r>
+              <a:rPr lang="fr-FR" dirty="0" smtClean="0">
+                <a:sym typeface="Wingdings" pitchFamily="2" charset="2"/>
+              </a:rPr>
+              <a:t> the 2 </a:t>
+            </a:r>
+            <a:r>
+              <a:rPr lang="fr-FR" dirty="0" err="1" smtClean="0">
+                <a:sym typeface="Wingdings" pitchFamily="2" charset="2"/>
+              </a:rPr>
+              <a:t>smallest</a:t>
+            </a:r>
+            <a:r>
+              <a:rPr lang="fr-FR" dirty="0" smtClean="0">
+                <a:sym typeface="Wingdings" pitchFamily="2" charset="2"/>
+              </a:rPr>
+              <a:t> </a:t>
+            </a:r>
+            <a:r>
+              <a:rPr lang="fr-FR" dirty="0" err="1" smtClean="0">
+                <a:sym typeface="Wingdings" pitchFamily="2" charset="2"/>
+              </a:rPr>
+              <a:t>minority</a:t>
+            </a:r>
+            <a:r>
+              <a:rPr lang="fr-FR" dirty="0" smtClean="0">
+                <a:sym typeface="Wingdings" pitchFamily="2" charset="2"/>
+              </a:rPr>
+              <a:t> classes (duplicates)</a:t>
+            </a:r>
+          </a:p>
+          <a:p>
+            <a:pPr lvl="1">
+              <a:buFont typeface="Wingdings"/>
+              <a:buChar char="à"/>
+            </a:pPr>
+            <a:endParaRPr lang="fr-FR" dirty="0" smtClean="0">
+              <a:sym typeface="Wingdings" pitchFamily="2" charset="2"/>
+            </a:endParaRPr>
+          </a:p>
+          <a:p>
+            <a:pPr lvl="1"/>
+            <a:r>
+              <a:rPr lang="fr-FR" dirty="0" smtClean="0">
+                <a:sym typeface="Wingdings" pitchFamily="2" charset="2"/>
+              </a:rPr>
+              <a:t>New split: </a:t>
+            </a:r>
+            <a:r>
+              <a:rPr lang="fr-FR" b="1" dirty="0" smtClean="0">
+                <a:sym typeface="Wingdings" pitchFamily="2" charset="2"/>
+              </a:rPr>
+              <a:t>50 000</a:t>
+            </a:r>
+            <a:r>
+              <a:rPr lang="fr-FR" dirty="0" smtClean="0">
+                <a:sym typeface="Wingdings" pitchFamily="2" charset="2"/>
+              </a:rPr>
+              <a:t>, </a:t>
+            </a:r>
+            <a:r>
+              <a:rPr lang="fr-FR" b="1" dirty="0" smtClean="0">
+                <a:sym typeface="Wingdings" pitchFamily="2" charset="2"/>
+              </a:rPr>
+              <a:t>4 000</a:t>
+            </a:r>
+            <a:r>
+              <a:rPr lang="fr-FR" dirty="0" smtClean="0">
+                <a:sym typeface="Wingdings" pitchFamily="2" charset="2"/>
+              </a:rPr>
+              <a:t>, 5 788, </a:t>
+            </a:r>
+            <a:r>
+              <a:rPr lang="fr-FR" b="1" dirty="0" smtClean="0">
+                <a:sym typeface="Wingdings" pitchFamily="2" charset="2"/>
+              </a:rPr>
+              <a:t>2 000</a:t>
+            </a:r>
+            <a:r>
+              <a:rPr lang="fr-FR" dirty="0" smtClean="0">
+                <a:sym typeface="Wingdings" pitchFamily="2" charset="2"/>
+              </a:rPr>
+              <a:t>, 6 431</a:t>
+            </a:r>
+            <a:br>
+              <a:rPr lang="fr-FR" dirty="0" smtClean="0">
+                <a:sym typeface="Wingdings" pitchFamily="2" charset="2"/>
+              </a:rPr>
+            </a:br>
+            <a:r>
+              <a:rPr lang="fr-FR" dirty="0" smtClean="0">
+                <a:sym typeface="Wingdings" pitchFamily="2" charset="2"/>
+              </a:rPr>
+              <a:t>New </a:t>
+            </a:r>
+            <a:r>
+              <a:rPr lang="fr-FR" dirty="0" err="1" smtClean="0">
+                <a:sym typeface="Wingdings" pitchFamily="2" charset="2"/>
+              </a:rPr>
+              <a:t>recalls</a:t>
+            </a:r>
+            <a:r>
+              <a:rPr lang="fr-FR" dirty="0" smtClean="0">
+                <a:sym typeface="Wingdings" pitchFamily="2" charset="2"/>
+              </a:rPr>
+              <a:t>: 98.9%, </a:t>
+            </a:r>
+            <a:r>
+              <a:rPr lang="fr-FR" b="1" dirty="0" smtClean="0">
+                <a:sym typeface="Wingdings" pitchFamily="2" charset="2"/>
+              </a:rPr>
+              <a:t>80.4%</a:t>
+            </a:r>
+            <a:r>
+              <a:rPr lang="fr-FR" dirty="0" smtClean="0">
+                <a:sym typeface="Wingdings" pitchFamily="2" charset="2"/>
+              </a:rPr>
+              <a:t>, 91.3%, </a:t>
+            </a:r>
+            <a:r>
+              <a:rPr lang="fr-FR" b="1" dirty="0" smtClean="0">
+                <a:sym typeface="Wingdings" pitchFamily="2" charset="2"/>
+              </a:rPr>
+              <a:t>89.2%</a:t>
+            </a:r>
+            <a:r>
+              <a:rPr lang="fr-FR" dirty="0" smtClean="0">
+                <a:sym typeface="Wingdings" pitchFamily="2" charset="2"/>
+              </a:rPr>
+              <a:t>, 96.5%</a:t>
+            </a:r>
+          </a:p>
+        </p:txBody>
+      </p:sp>
+      <p:pic>
+        <p:nvPicPr>
+          <p:cNvPr id="4" name="Picture 1" descr="C:\Users\user\AppData\Local\Microsoft\Windows\Temporary Internet Files\Content.IE5\P1JSXYE9\check-mark-1292787_640[1].png"/>
+          <p:cNvPicPr>
+            <a:picLocks noChangeAspect="1" noChangeArrowheads="1"/>
+          </p:cNvPicPr>
+          <p:nvPr/>
+        </p:nvPicPr>
+        <p:blipFill>
+          <a:blip r:embed="rId2" cstate="print"/>
+          <a:srcRect/>
+          <a:stretch>
+            <a:fillRect/>
+          </a:stretch>
+        </p:blipFill>
+        <p:spPr bwMode="auto">
+          <a:xfrm>
+            <a:off x="6876256" y="5301208"/>
+            <a:ext cx="1008112" cy="989208"/>
+          </a:xfrm>
+          <a:prstGeom prst="rect">
+            <a:avLst/>
+          </a:prstGeom>
+          <a:noFill/>
+        </p:spPr>
+      </p:pic>
+    </p:spTree>
+  </p:cSld>
+  <p:clrMapOvr>
+    <a:masterClrMapping/>
+  </p:clrMapOvr>
+</p:sld>
+</file>
+
+<file path=ppt/slides/slide14.xml><?xml version="1.0" encoding="utf-8"?>
+<p:sld xmlns:a="http://schemas.openxmlformats.org/drawingml/2006/main" xmlns:r="http://schemas.openxmlformats.org/officeDocument/2006/relationships" xmlns:p="http://schemas.openxmlformats.org/presentationml/2006/main">
+  <p:cSld>
+    <p:spTree>
+      <p:nvGrpSpPr>
+        <p:cNvPr id="1" name=""/>
+        <p:cNvGrpSpPr/>
+        <p:nvPr/>
+      </p:nvGrpSpPr>
+      <p:grpSpPr>
+        <a:xfrm>
+          <a:off x="0" y="0"/>
+          <a:ext cx="0" cy="0"/>
+          <a:chOff x="0" y="0"/>
+          <a:chExt cx="0" cy="0"/>
+        </a:xfrm>
+      </p:grpSpPr>
+      <p:sp>
+        <p:nvSpPr>
+          <p:cNvPr id="2" name="Titre 1"/>
+          <p:cNvSpPr>
+            <a:spLocks noGrp="1"/>
+          </p:cNvSpPr>
+          <p:nvPr>
+            <p:ph type="title"/>
+          </p:nvPr>
+        </p:nvSpPr>
+        <p:spPr/>
+        <p:txBody>
+          <a:bodyPr/>
+          <a:lstStyle/>
+          <a:p>
+            <a:r>
+              <a:rPr lang="fr-FR" dirty="0" err="1" smtClean="0"/>
+              <a:t>Dealing</a:t>
+            </a:r>
+            <a:r>
+              <a:rPr lang="fr-FR" dirty="0" smtClean="0"/>
+              <a:t> </a:t>
+            </a:r>
+            <a:r>
+              <a:rPr lang="fr-FR" dirty="0" err="1" smtClean="0"/>
+              <a:t>with</a:t>
+            </a:r>
+            <a:r>
+              <a:rPr lang="fr-FR" dirty="0" smtClean="0"/>
+              <a:t> </a:t>
+            </a:r>
+            <a:r>
+              <a:rPr lang="fr-FR" dirty="0" err="1" smtClean="0"/>
+              <a:t>minority</a:t>
+            </a:r>
+            <a:r>
+              <a:rPr lang="fr-FR" dirty="0" smtClean="0"/>
+              <a:t> classes</a:t>
+            </a:r>
+            <a:endParaRPr lang="fr-FR" dirty="0"/>
+          </a:p>
+        </p:txBody>
+      </p:sp>
+      <p:sp>
+        <p:nvSpPr>
+          <p:cNvPr id="3" name="Espace réservé du contenu 2"/>
+          <p:cNvSpPr>
+            <a:spLocks noGrp="1"/>
+          </p:cNvSpPr>
+          <p:nvPr>
+            <p:ph sz="quarter" idx="1"/>
+          </p:nvPr>
+        </p:nvSpPr>
+        <p:spPr/>
+        <p:txBody>
+          <a:bodyPr/>
+          <a:lstStyle/>
+          <a:p>
+            <a:r>
+              <a:rPr lang="fr-FR" dirty="0" err="1" smtClean="0"/>
+              <a:t>Already</a:t>
+            </a:r>
+            <a:r>
+              <a:rPr lang="fr-FR" dirty="0" smtClean="0"/>
+              <a:t> </a:t>
+            </a:r>
+            <a:r>
+              <a:rPr lang="fr-FR" dirty="0" err="1" smtClean="0"/>
+              <a:t>done</a:t>
+            </a:r>
+            <a:r>
+              <a:rPr lang="fr-FR" dirty="0" smtClean="0"/>
+              <a:t>:</a:t>
+            </a:r>
+          </a:p>
+          <a:p>
+            <a:pPr lvl="1"/>
+            <a:r>
+              <a:rPr lang="fr-FR" dirty="0" smtClean="0"/>
+              <a:t>Duplicate </a:t>
+            </a:r>
+            <a:r>
+              <a:rPr lang="fr-FR" dirty="0" err="1" smtClean="0"/>
+              <a:t>samples</a:t>
+            </a:r>
+            <a:r>
+              <a:rPr lang="fr-FR" dirty="0" smtClean="0"/>
+              <a:t> </a:t>
+            </a:r>
+            <a:r>
+              <a:rPr lang="fr-FR" dirty="0" err="1" smtClean="0"/>
+              <a:t>with</a:t>
+            </a:r>
+            <a:r>
+              <a:rPr lang="fr-FR" dirty="0" smtClean="0"/>
+              <a:t> replacement</a:t>
+            </a:r>
+          </a:p>
+          <a:p>
+            <a:pPr lvl="1"/>
+            <a:endParaRPr lang="fr-FR" dirty="0" smtClean="0"/>
+          </a:p>
+          <a:p>
+            <a:r>
+              <a:rPr lang="fr-FR" dirty="0" err="1" smtClean="0"/>
+              <a:t>Other</a:t>
+            </a:r>
+            <a:r>
+              <a:rPr lang="fr-FR" dirty="0" smtClean="0"/>
+              <a:t> </a:t>
+            </a:r>
+            <a:r>
+              <a:rPr lang="fr-FR" dirty="0" err="1" smtClean="0"/>
+              <a:t>leads</a:t>
+            </a:r>
+            <a:r>
+              <a:rPr lang="fr-FR" dirty="0" smtClean="0"/>
+              <a:t>:</a:t>
+            </a:r>
+          </a:p>
+          <a:p>
+            <a:pPr lvl="1"/>
+            <a:r>
+              <a:rPr lang="fr-FR" dirty="0" err="1" smtClean="0"/>
+              <a:t>Add</a:t>
+            </a:r>
+            <a:r>
+              <a:rPr lang="fr-FR" dirty="0" smtClean="0"/>
+              <a:t> </a:t>
+            </a:r>
+            <a:r>
+              <a:rPr lang="fr-FR" dirty="0" err="1" smtClean="0"/>
+              <a:t>small</a:t>
+            </a:r>
+            <a:r>
+              <a:rPr lang="fr-FR" dirty="0" smtClean="0"/>
+              <a:t> white noise</a:t>
+            </a:r>
+          </a:p>
+          <a:p>
+            <a:pPr lvl="1"/>
+            <a:r>
+              <a:rPr lang="fr-FR" dirty="0" err="1" smtClean="0"/>
+              <a:t>Add</a:t>
+            </a:r>
+            <a:r>
+              <a:rPr lang="fr-FR" dirty="0" smtClean="0"/>
+              <a:t> </a:t>
+            </a:r>
+            <a:r>
+              <a:rPr lang="fr-FR" dirty="0" err="1" smtClean="0"/>
+              <a:t>delay</a:t>
+            </a:r>
+            <a:r>
+              <a:rPr lang="fr-FR" dirty="0" smtClean="0"/>
+              <a:t> in the temporal signal</a:t>
+            </a:r>
+          </a:p>
+          <a:p>
+            <a:pPr lvl="1"/>
+            <a:r>
+              <a:rPr lang="fr-FR" dirty="0" smtClean="0"/>
+              <a:t>SMOTE (</a:t>
+            </a:r>
+            <a:r>
+              <a:rPr lang="fr-FR" dirty="0" err="1" smtClean="0"/>
+              <a:t>interpolating</a:t>
+            </a:r>
+            <a:r>
+              <a:rPr lang="fr-FR" dirty="0" smtClean="0"/>
+              <a:t> </a:t>
+            </a:r>
+            <a:r>
+              <a:rPr lang="fr-FR" dirty="0" err="1" smtClean="0"/>
+              <a:t>between</a:t>
+            </a:r>
+            <a:r>
+              <a:rPr lang="fr-FR" dirty="0" smtClean="0"/>
+              <a:t> </a:t>
+            </a:r>
+            <a:r>
+              <a:rPr lang="fr-FR" dirty="0" err="1" smtClean="0"/>
+              <a:t>neighbors</a:t>
+            </a:r>
+            <a:r>
+              <a:rPr lang="fr-FR" dirty="0" smtClean="0"/>
+              <a:t>)</a:t>
+            </a:r>
+          </a:p>
+        </p:txBody>
+      </p:sp>
+    </p:spTree>
+  </p:cSld>
+  <p:clrMapOvr>
+    <a:masterClrMapping/>
+  </p:clrMapOvr>
+</p:sld>
+</file>
+
 <file path=ppt/slides/slide2.xml><?xml version="1.0" encoding="utf-8"?>
 <p:sld xmlns:a="http://schemas.openxmlformats.org/drawingml/2006/main" xmlns:r="http://schemas.openxmlformats.org/officeDocument/2006/relationships" xmlns:p="http://schemas.openxmlformats.org/presentationml/2006/main">
   <p:cSld>
@@ -7631,7 +8823,16 @@
           <a:p>
             <a:r>
               <a:rPr lang="fr-FR" dirty="0" smtClean="0"/>
-              <a:t>Conclusion: </a:t>
+              <a:t>Conclusions:</a:t>
+            </a:r>
+          </a:p>
+          <a:p>
+            <a:pPr lvl="1">
+              <a:buNone/>
+            </a:pPr>
+            <a:r>
+              <a:rPr lang="fr-FR" dirty="0" smtClean="0"/>
+              <a:t> </a:t>
             </a:r>
           </a:p>
           <a:p>
